--- a/Physical_Computing/Documents/Physical Computing.pptx
+++ b/Physical_Computing/Documents/Physical Computing.pptx
@@ -649,7 +649,7 @@
           <a:p>
             <a:fld id="{E1001223-88CF-4CB1-A8B2-77C7E3CEB353}" type="datetimeFigureOut">
               <a:rPr lang="ko-KR" altLang="en-US" smtClean="0"/>
-              <a:t>2023-06-04</a:t>
+              <a:t>2023-06-06</a:t>
             </a:fld>
             <a:endParaRPr lang="ko-KR" altLang="en-US"/>
           </a:p>
@@ -847,7 +847,7 @@
           <a:p>
             <a:fld id="{E1001223-88CF-4CB1-A8B2-77C7E3CEB353}" type="datetimeFigureOut">
               <a:rPr lang="ko-KR" altLang="en-US" smtClean="0"/>
-              <a:t>2023-06-04</a:t>
+              <a:t>2023-06-06</a:t>
             </a:fld>
             <a:endParaRPr lang="ko-KR" altLang="en-US"/>
           </a:p>
@@ -1055,7 +1055,7 @@
           <a:p>
             <a:fld id="{E1001223-88CF-4CB1-A8B2-77C7E3CEB353}" type="datetimeFigureOut">
               <a:rPr lang="ko-KR" altLang="en-US" smtClean="0"/>
-              <a:t>2023-06-04</a:t>
+              <a:t>2023-06-06</a:t>
             </a:fld>
             <a:endParaRPr lang="ko-KR" altLang="en-US"/>
           </a:p>
@@ -1253,7 +1253,7 @@
           <a:p>
             <a:fld id="{E1001223-88CF-4CB1-A8B2-77C7E3CEB353}" type="datetimeFigureOut">
               <a:rPr lang="ko-KR" altLang="en-US" smtClean="0"/>
-              <a:t>2023-06-04</a:t>
+              <a:t>2023-06-06</a:t>
             </a:fld>
             <a:endParaRPr lang="ko-KR" altLang="en-US"/>
           </a:p>
@@ -1528,7 +1528,7 @@
           <a:p>
             <a:fld id="{E1001223-88CF-4CB1-A8B2-77C7E3CEB353}" type="datetimeFigureOut">
               <a:rPr lang="ko-KR" altLang="en-US" smtClean="0"/>
-              <a:t>2023-06-04</a:t>
+              <a:t>2023-06-06</a:t>
             </a:fld>
             <a:endParaRPr lang="ko-KR" altLang="en-US"/>
           </a:p>
@@ -1793,7 +1793,7 @@
           <a:p>
             <a:fld id="{E1001223-88CF-4CB1-A8B2-77C7E3CEB353}" type="datetimeFigureOut">
               <a:rPr lang="ko-KR" altLang="en-US" smtClean="0"/>
-              <a:t>2023-06-04</a:t>
+              <a:t>2023-06-06</a:t>
             </a:fld>
             <a:endParaRPr lang="ko-KR" altLang="en-US"/>
           </a:p>
@@ -2205,7 +2205,7 @@
           <a:p>
             <a:fld id="{E1001223-88CF-4CB1-A8B2-77C7E3CEB353}" type="datetimeFigureOut">
               <a:rPr lang="ko-KR" altLang="en-US" smtClean="0"/>
-              <a:t>2023-06-04</a:t>
+              <a:t>2023-06-06</a:t>
             </a:fld>
             <a:endParaRPr lang="ko-KR" altLang="en-US"/>
           </a:p>
@@ -2346,7 +2346,7 @@
           <a:p>
             <a:fld id="{E1001223-88CF-4CB1-A8B2-77C7E3CEB353}" type="datetimeFigureOut">
               <a:rPr lang="ko-KR" altLang="en-US" smtClean="0"/>
-              <a:t>2023-06-04</a:t>
+              <a:t>2023-06-06</a:t>
             </a:fld>
             <a:endParaRPr lang="ko-KR" altLang="en-US"/>
           </a:p>
@@ -2459,7 +2459,7 @@
           <a:p>
             <a:fld id="{E1001223-88CF-4CB1-A8B2-77C7E3CEB353}" type="datetimeFigureOut">
               <a:rPr lang="ko-KR" altLang="en-US" smtClean="0"/>
-              <a:t>2023-06-04</a:t>
+              <a:t>2023-06-06</a:t>
             </a:fld>
             <a:endParaRPr lang="ko-KR" altLang="en-US"/>
           </a:p>
@@ -2770,7 +2770,7 @@
           <a:p>
             <a:fld id="{E1001223-88CF-4CB1-A8B2-77C7E3CEB353}" type="datetimeFigureOut">
               <a:rPr lang="ko-KR" altLang="en-US" smtClean="0"/>
-              <a:t>2023-06-04</a:t>
+              <a:t>2023-06-06</a:t>
             </a:fld>
             <a:endParaRPr lang="ko-KR" altLang="en-US"/>
           </a:p>
@@ -3058,7 +3058,7 @@
           <a:p>
             <a:fld id="{E1001223-88CF-4CB1-A8B2-77C7E3CEB353}" type="datetimeFigureOut">
               <a:rPr lang="ko-KR" altLang="en-US" smtClean="0"/>
-              <a:t>2023-06-04</a:t>
+              <a:t>2023-06-06</a:t>
             </a:fld>
             <a:endParaRPr lang="ko-KR" altLang="en-US"/>
           </a:p>
@@ -3299,7 +3299,7 @@
           <a:p>
             <a:fld id="{E1001223-88CF-4CB1-A8B2-77C7E3CEB353}" type="datetimeFigureOut">
               <a:rPr lang="ko-KR" altLang="en-US" smtClean="0"/>
-              <a:t>2023-06-04</a:t>
+              <a:t>2023-06-06</a:t>
             </a:fld>
             <a:endParaRPr lang="ko-KR" altLang="en-US"/>
           </a:p>
@@ -3786,7 +3786,7 @@
             <a:pPr algn="r"/>
             <a:r>
               <a:rPr lang="en-US" altLang="ko-KR" dirty="0"/>
-              <a:t>20230529</a:t>
+              <a:t>2021020091</a:t>
             </a:r>
           </a:p>
           <a:p>

--- a/Physical_Computing/Documents/Physical Computing.pptx
+++ b/Physical_Computing/Documents/Physical Computing.pptx
@@ -9,6 +9,7 @@
     <p:sldId id="258" r:id="rId3"/>
     <p:sldId id="259" r:id="rId4"/>
     <p:sldId id="257" r:id="rId5"/>
+    <p:sldId id="260" r:id="rId6"/>
   </p:sldIdLst>
   <p:sldSz cx="12192000" cy="6858000"/>
   <p:notesSz cx="6858000" cy="9144000"/>
@@ -649,7 +650,7 @@
           <a:p>
             <a:fld id="{E1001223-88CF-4CB1-A8B2-77C7E3CEB353}" type="datetimeFigureOut">
               <a:rPr lang="ko-KR" altLang="en-US" smtClean="0"/>
-              <a:t>2023-06-04</a:t>
+              <a:t>2023-06-06</a:t>
             </a:fld>
             <a:endParaRPr lang="ko-KR" altLang="en-US"/>
           </a:p>
@@ -847,7 +848,7 @@
           <a:p>
             <a:fld id="{E1001223-88CF-4CB1-A8B2-77C7E3CEB353}" type="datetimeFigureOut">
               <a:rPr lang="ko-KR" altLang="en-US" smtClean="0"/>
-              <a:t>2023-06-04</a:t>
+              <a:t>2023-06-06</a:t>
             </a:fld>
             <a:endParaRPr lang="ko-KR" altLang="en-US"/>
           </a:p>
@@ -1055,7 +1056,7 @@
           <a:p>
             <a:fld id="{E1001223-88CF-4CB1-A8B2-77C7E3CEB353}" type="datetimeFigureOut">
               <a:rPr lang="ko-KR" altLang="en-US" smtClean="0"/>
-              <a:t>2023-06-04</a:t>
+              <a:t>2023-06-06</a:t>
             </a:fld>
             <a:endParaRPr lang="ko-KR" altLang="en-US"/>
           </a:p>
@@ -1253,7 +1254,7 @@
           <a:p>
             <a:fld id="{E1001223-88CF-4CB1-A8B2-77C7E3CEB353}" type="datetimeFigureOut">
               <a:rPr lang="ko-KR" altLang="en-US" smtClean="0"/>
-              <a:t>2023-06-04</a:t>
+              <a:t>2023-06-06</a:t>
             </a:fld>
             <a:endParaRPr lang="ko-KR" altLang="en-US"/>
           </a:p>
@@ -1528,7 +1529,7 @@
           <a:p>
             <a:fld id="{E1001223-88CF-4CB1-A8B2-77C7E3CEB353}" type="datetimeFigureOut">
               <a:rPr lang="ko-KR" altLang="en-US" smtClean="0"/>
-              <a:t>2023-06-04</a:t>
+              <a:t>2023-06-06</a:t>
             </a:fld>
             <a:endParaRPr lang="ko-KR" altLang="en-US"/>
           </a:p>
@@ -1793,7 +1794,7 @@
           <a:p>
             <a:fld id="{E1001223-88CF-4CB1-A8B2-77C7E3CEB353}" type="datetimeFigureOut">
               <a:rPr lang="ko-KR" altLang="en-US" smtClean="0"/>
-              <a:t>2023-06-04</a:t>
+              <a:t>2023-06-06</a:t>
             </a:fld>
             <a:endParaRPr lang="ko-KR" altLang="en-US"/>
           </a:p>
@@ -2205,7 +2206,7 @@
           <a:p>
             <a:fld id="{E1001223-88CF-4CB1-A8B2-77C7E3CEB353}" type="datetimeFigureOut">
               <a:rPr lang="ko-KR" altLang="en-US" smtClean="0"/>
-              <a:t>2023-06-04</a:t>
+              <a:t>2023-06-06</a:t>
             </a:fld>
             <a:endParaRPr lang="ko-KR" altLang="en-US"/>
           </a:p>
@@ -2346,7 +2347,7 @@
           <a:p>
             <a:fld id="{E1001223-88CF-4CB1-A8B2-77C7E3CEB353}" type="datetimeFigureOut">
               <a:rPr lang="ko-KR" altLang="en-US" smtClean="0"/>
-              <a:t>2023-06-04</a:t>
+              <a:t>2023-06-06</a:t>
             </a:fld>
             <a:endParaRPr lang="ko-KR" altLang="en-US"/>
           </a:p>
@@ -2459,7 +2460,7 @@
           <a:p>
             <a:fld id="{E1001223-88CF-4CB1-A8B2-77C7E3CEB353}" type="datetimeFigureOut">
               <a:rPr lang="ko-KR" altLang="en-US" smtClean="0"/>
-              <a:t>2023-06-04</a:t>
+              <a:t>2023-06-06</a:t>
             </a:fld>
             <a:endParaRPr lang="ko-KR" altLang="en-US"/>
           </a:p>
@@ -2770,7 +2771,7 @@
           <a:p>
             <a:fld id="{E1001223-88CF-4CB1-A8B2-77C7E3CEB353}" type="datetimeFigureOut">
               <a:rPr lang="ko-KR" altLang="en-US" smtClean="0"/>
-              <a:t>2023-06-04</a:t>
+              <a:t>2023-06-06</a:t>
             </a:fld>
             <a:endParaRPr lang="ko-KR" altLang="en-US"/>
           </a:p>
@@ -3058,7 +3059,7 @@
           <a:p>
             <a:fld id="{E1001223-88CF-4CB1-A8B2-77C7E3CEB353}" type="datetimeFigureOut">
               <a:rPr lang="ko-KR" altLang="en-US" smtClean="0"/>
-              <a:t>2023-06-04</a:t>
+              <a:t>2023-06-06</a:t>
             </a:fld>
             <a:endParaRPr lang="ko-KR" altLang="en-US"/>
           </a:p>
@@ -3299,7 +3300,7 @@
           <a:p>
             <a:fld id="{E1001223-88CF-4CB1-A8B2-77C7E3CEB353}" type="datetimeFigureOut">
               <a:rPr lang="ko-KR" altLang="en-US" smtClean="0"/>
-              <a:t>2023-06-04</a:t>
+              <a:t>2023-06-06</a:t>
             </a:fld>
             <a:endParaRPr lang="ko-KR" altLang="en-US"/>
           </a:p>
@@ -3786,7 +3787,7 @@
             <a:pPr algn="r"/>
             <a:r>
               <a:rPr lang="en-US" altLang="ko-KR" dirty="0"/>
-              <a:t>20230529</a:t>
+              <a:t>2021020091</a:t>
             </a:r>
           </a:p>
           <a:p>
@@ -3893,7 +3894,7 @@
         </p:nvSpPr>
         <p:spPr>
           <a:xfrm>
-            <a:off x="838200" y="1698171"/>
+            <a:off x="846738" y="1698171"/>
             <a:ext cx="1560616" cy="2600697"/>
           </a:xfrm>
           <a:prstGeom prst="rect">
@@ -6107,6 +6108,124 @@
     <p:extLst>
       <p:ext uri="{BB962C8B-B14F-4D97-AF65-F5344CB8AC3E}">
         <p14:creationId xmlns:p14="http://schemas.microsoft.com/office/powerpoint/2010/main" val="890831062"/>
+      </p:ext>
+    </p:extLst>
+  </p:cSld>
+  <p:clrMapOvr>
+    <a:masterClrMapping/>
+  </p:clrMapOvr>
+</p:sld>
+</file>
+
+<file path=ppt/slides/slide5.xml><?xml version="1.0" encoding="utf-8"?>
+<p:sld xmlns:a="http://schemas.openxmlformats.org/drawingml/2006/main" xmlns:r="http://schemas.openxmlformats.org/officeDocument/2006/relationships" xmlns:p="http://schemas.openxmlformats.org/presentationml/2006/main">
+  <p:cSld>
+    <p:spTree>
+      <p:nvGrpSpPr>
+        <p:cNvPr id="1" name=""/>
+        <p:cNvGrpSpPr/>
+        <p:nvPr/>
+      </p:nvGrpSpPr>
+      <p:grpSpPr>
+        <a:xfrm>
+          <a:off x="0" y="0"/>
+          <a:ext cx="0" cy="0"/>
+          <a:chOff x="0" y="0"/>
+          <a:chExt cx="0" cy="0"/>
+        </a:xfrm>
+      </p:grpSpPr>
+      <p:sp>
+        <p:nvSpPr>
+          <p:cNvPr id="2" name="제목 1">
+            <a:extLst>
+              <a:ext uri="{FF2B5EF4-FFF2-40B4-BE49-F238E27FC236}">
+                <a16:creationId xmlns:a16="http://schemas.microsoft.com/office/drawing/2014/main" id="{D2F4B487-129E-42A5-39DA-F4FA017F0BD2}"/>
+              </a:ext>
+            </a:extLst>
+          </p:cNvPr>
+          <p:cNvSpPr>
+            <a:spLocks noGrp="1"/>
+          </p:cNvSpPr>
+          <p:nvPr>
+            <p:ph type="title"/>
+          </p:nvPr>
+        </p:nvSpPr>
+        <p:spPr>
+          <a:xfrm>
+            <a:off x="838200" y="365126"/>
+            <a:ext cx="10515600" cy="668028"/>
+          </a:xfrm>
+        </p:spPr>
+        <p:txBody>
+          <a:bodyPr>
+            <a:normAutofit fontScale="90000"/>
+          </a:bodyPr>
+          <a:lstStyle/>
+          <a:p>
+            <a:r>
+              <a:rPr lang="en-US" altLang="ko-KR" dirty="0"/>
+              <a:t>Main MCU Configuration(UNO)</a:t>
+            </a:r>
+            <a:endParaRPr lang="ko-KR" altLang="en-US" dirty="0"/>
+          </a:p>
+        </p:txBody>
+      </p:sp>
+      <p:sp>
+        <p:nvSpPr>
+          <p:cNvPr id="3" name="직사각형 2">
+            <a:extLst>
+              <a:ext uri="{FF2B5EF4-FFF2-40B4-BE49-F238E27FC236}">
+                <a16:creationId xmlns:a16="http://schemas.microsoft.com/office/drawing/2014/main" id="{95912AC3-0F83-B577-0B4C-45408D5FC8F6}"/>
+              </a:ext>
+            </a:extLst>
+          </p:cNvPr>
+          <p:cNvSpPr/>
+          <p:nvPr/>
+        </p:nvSpPr>
+        <p:spPr>
+          <a:xfrm>
+            <a:off x="917863" y="1246910"/>
+            <a:ext cx="10356273" cy="4999512"/>
+          </a:xfrm>
+          <a:prstGeom prst="rect">
+            <a:avLst/>
+          </a:prstGeom>
+          <a:solidFill>
+            <a:schemeClr val="accent2">
+              <a:lumMod val="60000"/>
+              <a:lumOff val="40000"/>
+            </a:schemeClr>
+          </a:solidFill>
+        </p:spPr>
+        <p:style>
+          <a:lnRef idx="2">
+            <a:schemeClr val="accent1">
+              <a:shade val="50000"/>
+            </a:schemeClr>
+          </a:lnRef>
+          <a:fillRef idx="1">
+            <a:schemeClr val="accent1"/>
+          </a:fillRef>
+          <a:effectRef idx="0">
+            <a:schemeClr val="accent1"/>
+          </a:effectRef>
+          <a:fontRef idx="minor">
+            <a:schemeClr val="lt1"/>
+          </a:fontRef>
+        </p:style>
+        <p:txBody>
+          <a:bodyPr rtlCol="0" anchor="ctr"/>
+          <a:lstStyle/>
+          <a:p>
+            <a:pPr algn="ctr"/>
+            <a:endParaRPr lang="ko-KR" altLang="en-US" b="1" dirty="0"/>
+          </a:p>
+        </p:txBody>
+      </p:sp>
+    </p:spTree>
+    <p:extLst>
+      <p:ext uri="{BB962C8B-B14F-4D97-AF65-F5344CB8AC3E}">
+        <p14:creationId xmlns:p14="http://schemas.microsoft.com/office/powerpoint/2010/main" val="1629068261"/>
       </p:ext>
     </p:extLst>
   </p:cSld>

--- a/Physical_Computing/Documents/Physical Computing.pptx
+++ b/Physical_Computing/Documents/Physical Computing.pptx
@@ -6,9 +6,13 @@
   </p:sldMasterIdLst>
   <p:sldIdLst>
     <p:sldId id="256" r:id="rId2"/>
-    <p:sldId id="258" r:id="rId3"/>
-    <p:sldId id="259" r:id="rId4"/>
-    <p:sldId id="257" r:id="rId5"/>
+    <p:sldId id="261" r:id="rId3"/>
+    <p:sldId id="258" r:id="rId4"/>
+    <p:sldId id="259" r:id="rId5"/>
+    <p:sldId id="257" r:id="rId6"/>
+    <p:sldId id="260" r:id="rId7"/>
+    <p:sldId id="262" r:id="rId8"/>
+    <p:sldId id="263" r:id="rId9"/>
   </p:sldIdLst>
   <p:sldSz cx="12192000" cy="6858000"/>
   <p:notesSz cx="6858000" cy="9144000"/>
@@ -649,7 +653,7 @@
           <a:p>
             <a:fld id="{E1001223-88CF-4CB1-A8B2-77C7E3CEB353}" type="datetimeFigureOut">
               <a:rPr lang="ko-KR" altLang="en-US" smtClean="0"/>
-              <a:t>2023-06-06</a:t>
+              <a:t>2023-06-12</a:t>
             </a:fld>
             <a:endParaRPr lang="ko-KR" altLang="en-US"/>
           </a:p>
@@ -847,7 +851,7 @@
           <a:p>
             <a:fld id="{E1001223-88CF-4CB1-A8B2-77C7E3CEB353}" type="datetimeFigureOut">
               <a:rPr lang="ko-KR" altLang="en-US" smtClean="0"/>
-              <a:t>2023-06-06</a:t>
+              <a:t>2023-06-12</a:t>
             </a:fld>
             <a:endParaRPr lang="ko-KR" altLang="en-US"/>
           </a:p>
@@ -1055,7 +1059,7 @@
           <a:p>
             <a:fld id="{E1001223-88CF-4CB1-A8B2-77C7E3CEB353}" type="datetimeFigureOut">
               <a:rPr lang="ko-KR" altLang="en-US" smtClean="0"/>
-              <a:t>2023-06-06</a:t>
+              <a:t>2023-06-12</a:t>
             </a:fld>
             <a:endParaRPr lang="ko-KR" altLang="en-US"/>
           </a:p>
@@ -1253,7 +1257,7 @@
           <a:p>
             <a:fld id="{E1001223-88CF-4CB1-A8B2-77C7E3CEB353}" type="datetimeFigureOut">
               <a:rPr lang="ko-KR" altLang="en-US" smtClean="0"/>
-              <a:t>2023-06-06</a:t>
+              <a:t>2023-06-12</a:t>
             </a:fld>
             <a:endParaRPr lang="ko-KR" altLang="en-US"/>
           </a:p>
@@ -1528,7 +1532,7 @@
           <a:p>
             <a:fld id="{E1001223-88CF-4CB1-A8B2-77C7E3CEB353}" type="datetimeFigureOut">
               <a:rPr lang="ko-KR" altLang="en-US" smtClean="0"/>
-              <a:t>2023-06-06</a:t>
+              <a:t>2023-06-12</a:t>
             </a:fld>
             <a:endParaRPr lang="ko-KR" altLang="en-US"/>
           </a:p>
@@ -1793,7 +1797,7 @@
           <a:p>
             <a:fld id="{E1001223-88CF-4CB1-A8B2-77C7E3CEB353}" type="datetimeFigureOut">
               <a:rPr lang="ko-KR" altLang="en-US" smtClean="0"/>
-              <a:t>2023-06-06</a:t>
+              <a:t>2023-06-12</a:t>
             </a:fld>
             <a:endParaRPr lang="ko-KR" altLang="en-US"/>
           </a:p>
@@ -2205,7 +2209,7 @@
           <a:p>
             <a:fld id="{E1001223-88CF-4CB1-A8B2-77C7E3CEB353}" type="datetimeFigureOut">
               <a:rPr lang="ko-KR" altLang="en-US" smtClean="0"/>
-              <a:t>2023-06-06</a:t>
+              <a:t>2023-06-12</a:t>
             </a:fld>
             <a:endParaRPr lang="ko-KR" altLang="en-US"/>
           </a:p>
@@ -2346,7 +2350,7 @@
           <a:p>
             <a:fld id="{E1001223-88CF-4CB1-A8B2-77C7E3CEB353}" type="datetimeFigureOut">
               <a:rPr lang="ko-KR" altLang="en-US" smtClean="0"/>
-              <a:t>2023-06-06</a:t>
+              <a:t>2023-06-12</a:t>
             </a:fld>
             <a:endParaRPr lang="ko-KR" altLang="en-US"/>
           </a:p>
@@ -2459,7 +2463,7 @@
           <a:p>
             <a:fld id="{E1001223-88CF-4CB1-A8B2-77C7E3CEB353}" type="datetimeFigureOut">
               <a:rPr lang="ko-KR" altLang="en-US" smtClean="0"/>
-              <a:t>2023-06-06</a:t>
+              <a:t>2023-06-12</a:t>
             </a:fld>
             <a:endParaRPr lang="ko-KR" altLang="en-US"/>
           </a:p>
@@ -2770,7 +2774,7 @@
           <a:p>
             <a:fld id="{E1001223-88CF-4CB1-A8B2-77C7E3CEB353}" type="datetimeFigureOut">
               <a:rPr lang="ko-KR" altLang="en-US" smtClean="0"/>
-              <a:t>2023-06-06</a:t>
+              <a:t>2023-06-12</a:t>
             </a:fld>
             <a:endParaRPr lang="ko-KR" altLang="en-US"/>
           </a:p>
@@ -3058,7 +3062,7 @@
           <a:p>
             <a:fld id="{E1001223-88CF-4CB1-A8B2-77C7E3CEB353}" type="datetimeFigureOut">
               <a:rPr lang="ko-KR" altLang="en-US" smtClean="0"/>
-              <a:t>2023-06-06</a:t>
+              <a:t>2023-06-12</a:t>
             </a:fld>
             <a:endParaRPr lang="ko-KR" altLang="en-US"/>
           </a:p>
@@ -3299,7 +3303,7 @@
           <a:p>
             <a:fld id="{E1001223-88CF-4CB1-A8B2-77C7E3CEB353}" type="datetimeFigureOut">
               <a:rPr lang="ko-KR" altLang="en-US" smtClean="0"/>
-              <a:t>2023-06-06</a:t>
+              <a:t>2023-06-12</a:t>
             </a:fld>
             <a:endParaRPr lang="ko-KR" altLang="en-US"/>
           </a:p>
@@ -3793,19 +3797,21 @@
             <a:pPr algn="r"/>
             <a:r>
               <a:rPr lang="en-US" altLang="ko-KR" dirty="0"/>
-              <a:t>ICT Design Tech </a:t>
-            </a:r>
+              <a:t>ICT</a:t>
+            </a:r>
+            <a:r>
+              <a:rPr lang="ko-KR" altLang="en-US" dirty="0"/>
+              <a:t>융합학부</a:t>
+            </a:r>
+            <a:endParaRPr lang="en-US" altLang="ko-KR" dirty="0"/>
           </a:p>
           <a:p>
             <a:pPr algn="r"/>
             <a:r>
-              <a:rPr lang="en-US" altLang="ko-KR" dirty="0" err="1"/>
-              <a:t>Irum</a:t>
-            </a:r>
-            <a:r>
-              <a:rPr lang="en-US" altLang="ko-KR" dirty="0"/>
-              <a:t> Choi</a:t>
-            </a:r>
+              <a:rPr lang="ko-KR" altLang="en-US" dirty="0" err="1"/>
+              <a:t>최이룸</a:t>
+            </a:r>
+            <a:endParaRPr lang="en-US" altLang="ko-KR" dirty="0"/>
           </a:p>
           <a:p>
             <a:pPr algn="r"/>
@@ -3848,7 +3854,7 @@
           <p:cNvPr id="2" name="제목 1">
             <a:extLst>
               <a:ext uri="{FF2B5EF4-FFF2-40B4-BE49-F238E27FC236}">
-                <a16:creationId xmlns:a16="http://schemas.microsoft.com/office/drawing/2014/main" id="{D2F4B487-129E-42A5-39DA-F4FA017F0BD2}"/>
+                <a16:creationId xmlns:a16="http://schemas.microsoft.com/office/drawing/2014/main" id="{50A7AA0F-4366-5DA7-3AAA-80DE2B4BC854}"/>
               </a:ext>
             </a:extLst>
           </p:cNvPr>
@@ -3859,258 +3865,132 @@
             <p:ph type="title"/>
           </p:nvPr>
         </p:nvSpPr>
+        <p:spPr/>
+        <p:txBody>
+          <a:bodyPr/>
+          <a:lstStyle/>
+          <a:p>
+            <a:r>
+              <a:rPr lang="en-US" altLang="ko-KR" dirty="0"/>
+              <a:t>Development Product</a:t>
+            </a:r>
+            <a:endParaRPr lang="ko-KR" altLang="en-US" dirty="0"/>
+          </a:p>
+        </p:txBody>
+      </p:sp>
+      <p:sp>
+        <p:nvSpPr>
+          <p:cNvPr id="3" name="내용 개체 틀 2">
+            <a:extLst>
+              <a:ext uri="{FF2B5EF4-FFF2-40B4-BE49-F238E27FC236}">
+                <a16:creationId xmlns:a16="http://schemas.microsoft.com/office/drawing/2014/main" id="{A2085AA5-BF7D-E82A-4883-3FBB1F60BE59}"/>
+              </a:ext>
+            </a:extLst>
+          </p:cNvPr>
+          <p:cNvSpPr>
+            <a:spLocks noGrp="1"/>
+          </p:cNvSpPr>
+          <p:nvPr>
+            <p:ph idx="1"/>
+          </p:nvPr>
+        </p:nvSpPr>
+        <p:spPr/>
+        <p:txBody>
+          <a:bodyPr/>
+          <a:lstStyle/>
+          <a:p>
+            <a:r>
+              <a:rPr lang="ko-KR" altLang="en-US" dirty="0"/>
+              <a:t>어린이 안전 센서 </a:t>
+            </a:r>
+            <a:endParaRPr lang="en-US" altLang="ko-KR" dirty="0"/>
+          </a:p>
+          <a:p>
+            <a:pPr marL="0" indent="0">
+              <a:buNone/>
+            </a:pPr>
+            <a:endParaRPr lang="ko-KR" altLang="en-US" dirty="0"/>
+          </a:p>
+        </p:txBody>
+      </p:sp>
+      <p:pic>
+        <p:nvPicPr>
+          <p:cNvPr id="9" name="그림 8">
+            <a:extLst>
+              <a:ext uri="{FF2B5EF4-FFF2-40B4-BE49-F238E27FC236}">
+                <a16:creationId xmlns:a16="http://schemas.microsoft.com/office/drawing/2014/main" id="{244E76CF-8842-CD1D-AEE0-F0900E1E5DD2}"/>
+              </a:ext>
+            </a:extLst>
+          </p:cNvPr>
+          <p:cNvPicPr>
+            <a:picLocks noChangeAspect="1"/>
+          </p:cNvPicPr>
+          <p:nvPr/>
+        </p:nvPicPr>
+        <p:blipFill>
+          <a:blip r:embed="rId2">
+            <a:extLst>
+              <a:ext uri="{28A0092B-C50C-407E-A947-70E740481C1C}">
+                <a14:useLocalDpi xmlns:a14="http://schemas.microsoft.com/office/drawing/2010/main" val="0"/>
+              </a:ext>
+            </a:extLst>
+          </a:blip>
+          <a:stretch>
+            <a:fillRect/>
+          </a:stretch>
+        </p:blipFill>
         <p:spPr>
           <a:xfrm>
-            <a:off x="838200" y="365126"/>
-            <a:ext cx="10515600" cy="668028"/>
-          </a:xfrm>
-        </p:spPr>
-        <p:txBody>
-          <a:bodyPr>
-            <a:normAutofit fontScale="90000"/>
-          </a:bodyPr>
-          <a:lstStyle/>
-          <a:p>
-            <a:r>
-              <a:rPr lang="en-US" altLang="ko-KR" dirty="0"/>
-              <a:t>System Diagram </a:t>
-            </a:r>
-            <a:endParaRPr lang="ko-KR" altLang="en-US" dirty="0"/>
-          </a:p>
-        </p:txBody>
-      </p:sp>
-      <p:sp>
-        <p:nvSpPr>
-          <p:cNvPr id="4" name="직사각형 3">
-            <a:extLst>
-              <a:ext uri="{FF2B5EF4-FFF2-40B4-BE49-F238E27FC236}">
-                <a16:creationId xmlns:a16="http://schemas.microsoft.com/office/drawing/2014/main" id="{E9348E8F-B488-C474-7FEA-1830C5F3EE6A}"/>
-              </a:ext>
-            </a:extLst>
-          </p:cNvPr>
-          <p:cNvSpPr/>
-          <p:nvPr/>
-        </p:nvSpPr>
-        <p:spPr>
-          <a:xfrm>
-            <a:off x="838200" y="1698171"/>
-            <a:ext cx="1560616" cy="2600697"/>
+            <a:off x="419405" y="2638425"/>
+            <a:ext cx="3914470" cy="3914470"/>
           </a:xfrm>
           <a:prstGeom prst="rect">
             <a:avLst/>
           </a:prstGeom>
         </p:spPr>
-        <p:style>
-          <a:lnRef idx="2">
-            <a:schemeClr val="accent1">
-              <a:shade val="50000"/>
-            </a:schemeClr>
-          </a:lnRef>
-          <a:fillRef idx="1">
-            <a:schemeClr val="accent1"/>
-          </a:fillRef>
-          <a:effectRef idx="0">
-            <a:schemeClr val="accent1"/>
-          </a:effectRef>
-          <a:fontRef idx="minor">
-            <a:schemeClr val="lt1"/>
-          </a:fontRef>
-        </p:style>
-        <p:txBody>
-          <a:bodyPr rtlCol="0" anchor="ctr"/>
-          <a:lstStyle/>
-          <a:p>
-            <a:pPr algn="ctr"/>
-            <a:r>
-              <a:rPr lang="en-US" altLang="ko-KR" dirty="0"/>
-              <a:t>Module</a:t>
-            </a:r>
-          </a:p>
-          <a:p>
-            <a:pPr algn="ctr"/>
-            <a:r>
-              <a:rPr lang="en-US" altLang="ko-KR" dirty="0"/>
-              <a:t>Child</a:t>
-            </a:r>
-            <a:endParaRPr lang="ko-KR" altLang="en-US" dirty="0"/>
-          </a:p>
-        </p:txBody>
-      </p:sp>
-      <p:sp>
-        <p:nvSpPr>
-          <p:cNvPr id="5" name="직사각형 4">
-            <a:extLst>
-              <a:ext uri="{FF2B5EF4-FFF2-40B4-BE49-F238E27FC236}">
-                <a16:creationId xmlns:a16="http://schemas.microsoft.com/office/drawing/2014/main" id="{2314E371-92A2-56E6-1B02-331E1897D73B}"/>
-              </a:ext>
-            </a:extLst>
-          </p:cNvPr>
-          <p:cNvSpPr/>
+      </p:pic>
+      <p:pic>
+        <p:nvPicPr>
+          <p:cNvPr id="11" name="그림 10">
+            <a:extLst>
+              <a:ext uri="{FF2B5EF4-FFF2-40B4-BE49-F238E27FC236}">
+                <a16:creationId xmlns:a16="http://schemas.microsoft.com/office/drawing/2014/main" id="{E81C98E6-9635-FF18-D1AD-74DFEC506FD3}"/>
+              </a:ext>
+            </a:extLst>
+          </p:cNvPr>
+          <p:cNvPicPr>
+            <a:picLocks noChangeAspect="1"/>
+          </p:cNvPicPr>
           <p:nvPr/>
-        </p:nvSpPr>
+        </p:nvPicPr>
+        <p:blipFill>
+          <a:blip r:embed="rId3">
+            <a:extLst>
+              <a:ext uri="{28A0092B-C50C-407E-A947-70E740481C1C}">
+                <a14:useLocalDpi xmlns:a14="http://schemas.microsoft.com/office/drawing/2010/main" val="0"/>
+              </a:ext>
+            </a:extLst>
+          </a:blip>
+          <a:stretch>
+            <a:fillRect/>
+          </a:stretch>
+        </p:blipFill>
         <p:spPr>
           <a:xfrm>
-            <a:off x="9793184" y="1698171"/>
-            <a:ext cx="1560616" cy="2600697"/>
+            <a:off x="8419760" y="3743325"/>
+            <a:ext cx="2829265" cy="2829265"/>
           </a:xfrm>
           <a:prstGeom prst="rect">
             <a:avLst/>
           </a:prstGeom>
         </p:spPr>
-        <p:style>
-          <a:lnRef idx="2">
-            <a:schemeClr val="accent1">
-              <a:shade val="50000"/>
-            </a:schemeClr>
-          </a:lnRef>
-          <a:fillRef idx="1">
-            <a:schemeClr val="accent1"/>
-          </a:fillRef>
-          <a:effectRef idx="0">
-            <a:schemeClr val="accent1"/>
-          </a:effectRef>
-          <a:fontRef idx="minor">
-            <a:schemeClr val="lt1"/>
-          </a:fontRef>
-        </p:style>
-        <p:txBody>
-          <a:bodyPr rtlCol="0" anchor="ctr"/>
-          <a:lstStyle/>
-          <a:p>
-            <a:pPr algn="ctr"/>
-            <a:r>
-              <a:rPr lang="en-US" altLang="ko-KR" dirty="0"/>
-              <a:t>Module</a:t>
-            </a:r>
-          </a:p>
-          <a:p>
-            <a:pPr algn="ctr"/>
-            <a:r>
-              <a:rPr lang="en-US" altLang="ko-KR" dirty="0"/>
-              <a:t>Teacher</a:t>
-            </a:r>
-            <a:endParaRPr lang="ko-KR" altLang="en-US" dirty="0"/>
-          </a:p>
-        </p:txBody>
-      </p:sp>
-      <p:sp>
-        <p:nvSpPr>
-          <p:cNvPr id="6" name="직사각형 5">
-            <a:extLst>
-              <a:ext uri="{FF2B5EF4-FFF2-40B4-BE49-F238E27FC236}">
-                <a16:creationId xmlns:a16="http://schemas.microsoft.com/office/drawing/2014/main" id="{D0821794-0918-CFE9-DFC1-ACEF40C676BE}"/>
-              </a:ext>
-            </a:extLst>
-          </p:cNvPr>
-          <p:cNvSpPr/>
-          <p:nvPr/>
-        </p:nvSpPr>
-        <p:spPr>
-          <a:xfrm>
-            <a:off x="4201886" y="2196934"/>
-            <a:ext cx="3788228" cy="1603169"/>
-          </a:xfrm>
-          <a:prstGeom prst="rect">
-            <a:avLst/>
-          </a:prstGeom>
-          <a:solidFill>
-            <a:schemeClr val="accent2">
-              <a:lumMod val="60000"/>
-              <a:lumOff val="40000"/>
-            </a:schemeClr>
-          </a:solidFill>
-        </p:spPr>
-        <p:style>
-          <a:lnRef idx="2">
-            <a:schemeClr val="accent1">
-              <a:shade val="50000"/>
-            </a:schemeClr>
-          </a:lnRef>
-          <a:fillRef idx="1">
-            <a:schemeClr val="accent1"/>
-          </a:fillRef>
-          <a:effectRef idx="0">
-            <a:schemeClr val="accent1"/>
-          </a:effectRef>
-          <a:fontRef idx="minor">
-            <a:schemeClr val="lt1"/>
-          </a:fontRef>
-        </p:style>
-        <p:txBody>
-          <a:bodyPr rtlCol="0" anchor="ctr"/>
-          <a:lstStyle/>
-          <a:p>
-            <a:pPr algn="ctr"/>
-            <a:r>
-              <a:rPr lang="en-US" altLang="ko-KR" b="1" dirty="0"/>
-              <a:t>Main MCU</a:t>
-            </a:r>
-            <a:endParaRPr lang="ko-KR" altLang="en-US" b="1" dirty="0"/>
-          </a:p>
-        </p:txBody>
-      </p:sp>
-      <p:sp>
-        <p:nvSpPr>
-          <p:cNvPr id="7" name="직사각형 6">
-            <a:extLst>
-              <a:ext uri="{FF2B5EF4-FFF2-40B4-BE49-F238E27FC236}">
-                <a16:creationId xmlns:a16="http://schemas.microsoft.com/office/drawing/2014/main" id="{B3D216D7-AFA8-407E-51B2-CBBC4A11DDF9}"/>
-              </a:ext>
-            </a:extLst>
-          </p:cNvPr>
-          <p:cNvSpPr/>
-          <p:nvPr/>
-        </p:nvSpPr>
-        <p:spPr>
-          <a:xfrm>
-            <a:off x="2319646" y="4702628"/>
-            <a:ext cx="7552707" cy="1151906"/>
-          </a:xfrm>
-          <a:prstGeom prst="rect">
-            <a:avLst/>
-          </a:prstGeom>
-          <a:solidFill>
-            <a:schemeClr val="accent6">
-              <a:lumMod val="60000"/>
-              <a:lumOff val="40000"/>
-            </a:schemeClr>
-          </a:solidFill>
-        </p:spPr>
-        <p:style>
-          <a:lnRef idx="2">
-            <a:schemeClr val="accent1">
-              <a:shade val="50000"/>
-            </a:schemeClr>
-          </a:lnRef>
-          <a:fillRef idx="1">
-            <a:schemeClr val="accent1"/>
-          </a:fillRef>
-          <a:effectRef idx="0">
-            <a:schemeClr val="accent1"/>
-          </a:effectRef>
-          <a:fontRef idx="minor">
-            <a:schemeClr val="lt1"/>
-          </a:fontRef>
-        </p:style>
-        <p:txBody>
-          <a:bodyPr rtlCol="0" anchor="ctr"/>
-          <a:lstStyle/>
-          <a:p>
-            <a:pPr algn="ctr"/>
-            <a:r>
-              <a:rPr lang="en-US" altLang="ko-KR" dirty="0"/>
-              <a:t>Main PC (monitoring)</a:t>
-            </a:r>
-            <a:endParaRPr lang="ko-KR" altLang="en-US" dirty="0"/>
-          </a:p>
-        </p:txBody>
-      </p:sp>
+      </p:pic>
       <p:cxnSp>
         <p:nvCxnSpPr>
-          <p:cNvPr id="9" name="직선 화살표 연결선 8">
-            <a:extLst>
-              <a:ext uri="{FF2B5EF4-FFF2-40B4-BE49-F238E27FC236}">
-                <a16:creationId xmlns:a16="http://schemas.microsoft.com/office/drawing/2014/main" id="{E318A370-A076-8D3D-A1BC-123C01A2E58A}"/>
+          <p:cNvPr id="13" name="직선 화살표 연결선 12">
+            <a:extLst>
+              <a:ext uri="{FF2B5EF4-FFF2-40B4-BE49-F238E27FC236}">
+                <a16:creationId xmlns:a16="http://schemas.microsoft.com/office/drawing/2014/main" id="{5F80ED6B-3DB8-80B0-5665-ADC55F8ADDFA}"/>
               </a:ext>
             </a:extLst>
           </p:cNvPr>
@@ -4120,17 +4000,15 @@
           <p:nvPr/>
         </p:nvCxnSpPr>
         <p:spPr>
-          <a:xfrm flipV="1">
-            <a:off x="2407354" y="2998519"/>
-            <a:ext cx="1803070" cy="1"/>
+          <a:xfrm>
+            <a:off x="4514850" y="5229225"/>
+            <a:ext cx="3581400" cy="0"/>
           </a:xfrm>
           <a:prstGeom prst="straightConnector1">
             <a:avLst/>
           </a:prstGeom>
-          <a:ln w="25400">
-            <a:solidFill>
-              <a:schemeClr val="tx1"/>
-            </a:solidFill>
+          <a:ln>
+            <a:headEnd type="triangle"/>
             <a:tailEnd type="triangle"/>
           </a:ln>
         </p:spPr>
@@ -4149,385 +4027,46 @@
           </a:fontRef>
         </p:style>
       </p:cxnSp>
-      <p:cxnSp>
-        <p:nvCxnSpPr>
-          <p:cNvPr id="13" name="직선 화살표 연결선 12">
-            <a:extLst>
-              <a:ext uri="{FF2B5EF4-FFF2-40B4-BE49-F238E27FC236}">
-                <a16:creationId xmlns:a16="http://schemas.microsoft.com/office/drawing/2014/main" id="{861F2961-9ECF-CD47-0098-449935F0DA46}"/>
-              </a:ext>
-            </a:extLst>
-          </p:cNvPr>
-          <p:cNvCxnSpPr>
-            <a:cxnSpLocks/>
-            <a:stCxn id="6" idx="2"/>
-            <a:endCxn id="7" idx="0"/>
-          </p:cNvCxnSpPr>
+      <p:pic>
+        <p:nvPicPr>
+          <p:cNvPr id="16" name="그림 15">
+            <a:extLst>
+              <a:ext uri="{FF2B5EF4-FFF2-40B4-BE49-F238E27FC236}">
+                <a16:creationId xmlns:a16="http://schemas.microsoft.com/office/drawing/2014/main" id="{D1D099CC-904A-D573-0003-65F8B8D1C692}"/>
+              </a:ext>
+            </a:extLst>
+          </p:cNvPr>
+          <p:cNvPicPr>
+            <a:picLocks noChangeAspect="1"/>
+          </p:cNvPicPr>
           <p:nvPr/>
-        </p:nvCxnSpPr>
+        </p:nvPicPr>
+        <p:blipFill>
+          <a:blip r:embed="rId4">
+            <a:extLst>
+              <a:ext uri="{28A0092B-C50C-407E-A947-70E740481C1C}">
+                <a14:useLocalDpi xmlns:a14="http://schemas.microsoft.com/office/drawing/2010/main" val="0"/>
+              </a:ext>
+            </a:extLst>
+          </a:blip>
+          <a:stretch>
+            <a:fillRect/>
+          </a:stretch>
+        </p:blipFill>
         <p:spPr>
           <a:xfrm>
-            <a:off x="6096000" y="3800103"/>
-            <a:ext cx="0" cy="902525"/>
-          </a:xfrm>
-          <a:prstGeom prst="straightConnector1">
-            <a:avLst/>
-          </a:prstGeom>
-          <a:ln w="25400">
-            <a:solidFill>
-              <a:schemeClr val="tx1"/>
-            </a:solidFill>
-            <a:tailEnd type="triangle"/>
-          </a:ln>
-        </p:spPr>
-        <p:style>
-          <a:lnRef idx="1">
-            <a:schemeClr val="accent1"/>
-          </a:lnRef>
-          <a:fillRef idx="0">
-            <a:schemeClr val="accent1"/>
-          </a:fillRef>
-          <a:effectRef idx="0">
-            <a:schemeClr val="accent1"/>
-          </a:effectRef>
-          <a:fontRef idx="minor">
-            <a:schemeClr val="tx1"/>
-          </a:fontRef>
-        </p:style>
-      </p:cxnSp>
-      <p:sp>
-        <p:nvSpPr>
-          <p:cNvPr id="3" name="직사각형 2">
-            <a:extLst>
-              <a:ext uri="{FF2B5EF4-FFF2-40B4-BE49-F238E27FC236}">
-                <a16:creationId xmlns:a16="http://schemas.microsoft.com/office/drawing/2014/main" id="{2DDB3852-E2B1-9B7B-C2A7-EC9A9D63C352}"/>
-              </a:ext>
-            </a:extLst>
-          </p:cNvPr>
-          <p:cNvSpPr/>
-          <p:nvPr/>
-        </p:nvSpPr>
-        <p:spPr>
-          <a:xfrm>
-            <a:off x="5315693" y="4082688"/>
-            <a:ext cx="1560613" cy="300789"/>
+            <a:off x="3696005" y="3124200"/>
+            <a:ext cx="961720" cy="961720"/>
           </a:xfrm>
           <a:prstGeom prst="rect">
             <a:avLst/>
           </a:prstGeom>
-          <a:solidFill>
-            <a:srgbClr val="FFC000"/>
-          </a:solidFill>
-        </p:spPr>
-        <p:style>
-          <a:lnRef idx="2">
-            <a:schemeClr val="accent1">
-              <a:shade val="50000"/>
-            </a:schemeClr>
-          </a:lnRef>
-          <a:fillRef idx="1">
-            <a:schemeClr val="accent1"/>
-          </a:fillRef>
-          <a:effectRef idx="0">
-            <a:schemeClr val="accent1"/>
-          </a:effectRef>
-          <a:fontRef idx="minor">
-            <a:schemeClr val="lt1"/>
-          </a:fontRef>
-        </p:style>
-        <p:txBody>
-          <a:bodyPr rtlCol="0" anchor="ctr"/>
-          <a:lstStyle/>
-          <a:p>
-            <a:pPr algn="ctr"/>
-            <a:r>
-              <a:rPr lang="en-US" altLang="ko-KR" sz="1400" dirty="0"/>
-              <a:t>CP2102(Serial)</a:t>
-            </a:r>
-            <a:endParaRPr lang="ko-KR" altLang="en-US" sz="1400" dirty="0"/>
-          </a:p>
-        </p:txBody>
-      </p:sp>
-      <p:sp>
-        <p:nvSpPr>
-          <p:cNvPr id="8" name="TextBox 7">
-            <a:extLst>
-              <a:ext uri="{FF2B5EF4-FFF2-40B4-BE49-F238E27FC236}">
-                <a16:creationId xmlns:a16="http://schemas.microsoft.com/office/drawing/2014/main" id="{68211DC2-F375-3626-6F68-6FC56AAB3D19}"/>
-              </a:ext>
-            </a:extLst>
-          </p:cNvPr>
-          <p:cNvSpPr txBox="1"/>
-          <p:nvPr/>
-        </p:nvSpPr>
-        <p:spPr>
-          <a:xfrm>
-            <a:off x="2853852" y="2642751"/>
-            <a:ext cx="910073" cy="307777"/>
-          </a:xfrm>
-          <a:prstGeom prst="rect">
-            <a:avLst/>
-          </a:prstGeom>
-          <a:noFill/>
-        </p:spPr>
-        <p:txBody>
-          <a:bodyPr wrap="square" rtlCol="0">
-            <a:spAutoFit/>
-          </a:bodyPr>
-          <a:lstStyle/>
-          <a:p>
-            <a:r>
-              <a:rPr lang="en-US" altLang="ko-KR" sz="1400" dirty="0"/>
-              <a:t>Serial Rx</a:t>
-            </a:r>
-            <a:endParaRPr lang="ko-KR" altLang="en-US" sz="1400" dirty="0"/>
-          </a:p>
-        </p:txBody>
-      </p:sp>
-      <p:cxnSp>
-        <p:nvCxnSpPr>
-          <p:cNvPr id="11" name="직선 화살표 연결선 10">
-            <a:extLst>
-              <a:ext uri="{FF2B5EF4-FFF2-40B4-BE49-F238E27FC236}">
-                <a16:creationId xmlns:a16="http://schemas.microsoft.com/office/drawing/2014/main" id="{CA98D9A6-CC09-1EED-D11A-5ED9A66EEAD2}"/>
-              </a:ext>
-            </a:extLst>
-          </p:cNvPr>
-          <p:cNvCxnSpPr>
-            <a:cxnSpLocks/>
-          </p:cNvCxnSpPr>
-          <p:nvPr/>
-        </p:nvCxnSpPr>
-        <p:spPr>
-          <a:xfrm flipH="1" flipV="1">
-            <a:off x="2407354" y="3139811"/>
-            <a:ext cx="1803070" cy="1"/>
-          </a:xfrm>
-          <a:prstGeom prst="straightConnector1">
-            <a:avLst/>
-          </a:prstGeom>
-          <a:ln w="25400">
-            <a:solidFill>
-              <a:schemeClr val="tx1"/>
-            </a:solidFill>
-            <a:tailEnd type="triangle"/>
-          </a:ln>
-        </p:spPr>
-        <p:style>
-          <a:lnRef idx="1">
-            <a:schemeClr val="accent1"/>
-          </a:lnRef>
-          <a:fillRef idx="0">
-            <a:schemeClr val="accent1"/>
-          </a:fillRef>
-          <a:effectRef idx="0">
-            <a:schemeClr val="accent1"/>
-          </a:effectRef>
-          <a:fontRef idx="minor">
-            <a:schemeClr val="tx1"/>
-          </a:fontRef>
-        </p:style>
-      </p:cxnSp>
-      <p:sp>
-        <p:nvSpPr>
-          <p:cNvPr id="14" name="TextBox 13">
-            <a:extLst>
-              <a:ext uri="{FF2B5EF4-FFF2-40B4-BE49-F238E27FC236}">
-                <a16:creationId xmlns:a16="http://schemas.microsoft.com/office/drawing/2014/main" id="{F95A18A3-DAF2-0237-BD54-B577E7326A80}"/>
-              </a:ext>
-            </a:extLst>
-          </p:cNvPr>
-          <p:cNvSpPr txBox="1"/>
-          <p:nvPr/>
-        </p:nvSpPr>
-        <p:spPr>
-          <a:xfrm>
-            <a:off x="2845314" y="3200399"/>
-            <a:ext cx="910073" cy="307777"/>
-          </a:xfrm>
-          <a:prstGeom prst="rect">
-            <a:avLst/>
-          </a:prstGeom>
-          <a:noFill/>
-        </p:spPr>
-        <p:txBody>
-          <a:bodyPr wrap="square" rtlCol="0">
-            <a:spAutoFit/>
-          </a:bodyPr>
-          <a:lstStyle/>
-          <a:p>
-            <a:r>
-              <a:rPr lang="en-US" altLang="ko-KR" sz="1400" dirty="0"/>
-              <a:t>Serial Tx</a:t>
-            </a:r>
-            <a:endParaRPr lang="ko-KR" altLang="en-US" sz="1400" dirty="0"/>
-          </a:p>
-        </p:txBody>
-      </p:sp>
-      <p:cxnSp>
-        <p:nvCxnSpPr>
-          <p:cNvPr id="20" name="직선 화살표 연결선 19">
-            <a:extLst>
-              <a:ext uri="{FF2B5EF4-FFF2-40B4-BE49-F238E27FC236}">
-                <a16:creationId xmlns:a16="http://schemas.microsoft.com/office/drawing/2014/main" id="{327223B6-E06F-C88D-7704-3B37296E90DF}"/>
-              </a:ext>
-            </a:extLst>
-          </p:cNvPr>
-          <p:cNvCxnSpPr>
-            <a:cxnSpLocks/>
-          </p:cNvCxnSpPr>
-          <p:nvPr/>
-        </p:nvCxnSpPr>
-        <p:spPr>
-          <a:xfrm flipV="1">
-            <a:off x="7998653" y="2998519"/>
-            <a:ext cx="1803070" cy="1"/>
-          </a:xfrm>
-          <a:prstGeom prst="straightConnector1">
-            <a:avLst/>
-          </a:prstGeom>
-          <a:ln w="25400">
-            <a:solidFill>
-              <a:schemeClr val="tx1"/>
-            </a:solidFill>
-            <a:tailEnd type="triangle"/>
-          </a:ln>
-        </p:spPr>
-        <p:style>
-          <a:lnRef idx="1">
-            <a:schemeClr val="accent1"/>
-          </a:lnRef>
-          <a:fillRef idx="0">
-            <a:schemeClr val="accent1"/>
-          </a:fillRef>
-          <a:effectRef idx="0">
-            <a:schemeClr val="accent1"/>
-          </a:effectRef>
-          <a:fontRef idx="minor">
-            <a:schemeClr val="tx1"/>
-          </a:fontRef>
-        </p:style>
-      </p:cxnSp>
-      <p:sp>
-        <p:nvSpPr>
-          <p:cNvPr id="21" name="TextBox 20">
-            <a:extLst>
-              <a:ext uri="{FF2B5EF4-FFF2-40B4-BE49-F238E27FC236}">
-                <a16:creationId xmlns:a16="http://schemas.microsoft.com/office/drawing/2014/main" id="{48EA4B85-D30D-D855-7FE2-766D8D965293}"/>
-              </a:ext>
-            </a:extLst>
-          </p:cNvPr>
-          <p:cNvSpPr txBox="1"/>
-          <p:nvPr/>
-        </p:nvSpPr>
-        <p:spPr>
-          <a:xfrm>
-            <a:off x="8445151" y="2642751"/>
-            <a:ext cx="910073" cy="307777"/>
-          </a:xfrm>
-          <a:prstGeom prst="rect">
-            <a:avLst/>
-          </a:prstGeom>
-          <a:noFill/>
-        </p:spPr>
-        <p:txBody>
-          <a:bodyPr wrap="square" rtlCol="0">
-            <a:spAutoFit/>
-          </a:bodyPr>
-          <a:lstStyle/>
-          <a:p>
-            <a:r>
-              <a:rPr lang="en-US" altLang="ko-KR" sz="1400" dirty="0"/>
-              <a:t>Serial Rx</a:t>
-            </a:r>
-            <a:endParaRPr lang="ko-KR" altLang="en-US" sz="1400" dirty="0"/>
-          </a:p>
-        </p:txBody>
-      </p:sp>
-      <p:cxnSp>
-        <p:nvCxnSpPr>
-          <p:cNvPr id="22" name="직선 화살표 연결선 21">
-            <a:extLst>
-              <a:ext uri="{FF2B5EF4-FFF2-40B4-BE49-F238E27FC236}">
-                <a16:creationId xmlns:a16="http://schemas.microsoft.com/office/drawing/2014/main" id="{16EC31FF-7F02-8D55-D3D1-972DDE022D32}"/>
-              </a:ext>
-            </a:extLst>
-          </p:cNvPr>
-          <p:cNvCxnSpPr>
-            <a:cxnSpLocks/>
-          </p:cNvCxnSpPr>
-          <p:nvPr/>
-        </p:nvCxnSpPr>
-        <p:spPr>
-          <a:xfrm flipH="1" flipV="1">
-            <a:off x="7998653" y="3139811"/>
-            <a:ext cx="1803070" cy="1"/>
-          </a:xfrm>
-          <a:prstGeom prst="straightConnector1">
-            <a:avLst/>
-          </a:prstGeom>
-          <a:ln w="25400">
-            <a:solidFill>
-              <a:schemeClr val="tx1"/>
-            </a:solidFill>
-            <a:tailEnd type="triangle"/>
-          </a:ln>
-        </p:spPr>
-        <p:style>
-          <a:lnRef idx="1">
-            <a:schemeClr val="accent1"/>
-          </a:lnRef>
-          <a:fillRef idx="0">
-            <a:schemeClr val="accent1"/>
-          </a:fillRef>
-          <a:effectRef idx="0">
-            <a:schemeClr val="accent1"/>
-          </a:effectRef>
-          <a:fontRef idx="minor">
-            <a:schemeClr val="tx1"/>
-          </a:fontRef>
-        </p:style>
-      </p:cxnSp>
-      <p:sp>
-        <p:nvSpPr>
-          <p:cNvPr id="23" name="TextBox 22">
-            <a:extLst>
-              <a:ext uri="{FF2B5EF4-FFF2-40B4-BE49-F238E27FC236}">
-                <a16:creationId xmlns:a16="http://schemas.microsoft.com/office/drawing/2014/main" id="{D407F28B-870F-63F4-BE96-2EE1FF8C3D67}"/>
-              </a:ext>
-            </a:extLst>
-          </p:cNvPr>
-          <p:cNvSpPr txBox="1"/>
-          <p:nvPr/>
-        </p:nvSpPr>
-        <p:spPr>
-          <a:xfrm>
-            <a:off x="8436613" y="3200399"/>
-            <a:ext cx="910073" cy="307777"/>
-          </a:xfrm>
-          <a:prstGeom prst="rect">
-            <a:avLst/>
-          </a:prstGeom>
-          <a:noFill/>
-        </p:spPr>
-        <p:txBody>
-          <a:bodyPr wrap="square" rtlCol="0">
-            <a:spAutoFit/>
-          </a:bodyPr>
-          <a:lstStyle/>
-          <a:p>
-            <a:r>
-              <a:rPr lang="en-US" altLang="ko-KR" sz="1400" dirty="0"/>
-              <a:t>Serial Tx</a:t>
-            </a:r>
-            <a:endParaRPr lang="ko-KR" altLang="en-US" sz="1400" dirty="0"/>
-          </a:p>
-        </p:txBody>
-      </p:sp>
+        </p:spPr>
+      </p:pic>
     </p:spTree>
     <p:extLst>
       <p:ext uri="{BB962C8B-B14F-4D97-AF65-F5344CB8AC3E}">
-        <p14:creationId xmlns:p14="http://schemas.microsoft.com/office/powerpoint/2010/main" val="4216304705"/>
+        <p14:creationId xmlns:p14="http://schemas.microsoft.com/office/powerpoint/2010/main" val="3786916222"/>
       </p:ext>
     </p:extLst>
   </p:cSld>
@@ -4584,7 +4123,7 @@
           <a:p>
             <a:r>
               <a:rPr lang="en-US" altLang="ko-KR" dirty="0"/>
-              <a:t>Module Child Configuration</a:t>
+              <a:t>System Diagram </a:t>
             </a:r>
             <a:endParaRPr lang="ko-KR" altLang="en-US" dirty="0"/>
           </a:p>
@@ -4604,14 +4143,12 @@
         </p:nvSpPr>
         <p:spPr>
           <a:xfrm>
-            <a:off x="717883" y="1558089"/>
-            <a:ext cx="5947611" cy="4934784"/>
+            <a:off x="838200" y="1698171"/>
+            <a:ext cx="1560616" cy="2600697"/>
           </a:xfrm>
           <a:prstGeom prst="rect">
             <a:avLst/>
           </a:prstGeom>
-          <a:noFill/>
-          <a:ln w="57150"/>
         </p:spPr>
         <p:style>
           <a:lnRef idx="2">
@@ -4634,60 +4171,27 @@
           <a:lstStyle/>
           <a:p>
             <a:pPr algn="ctr"/>
-            <a:endParaRPr lang="ko-KR" altLang="en-US" dirty="0"/>
-          </a:p>
-        </p:txBody>
-      </p:sp>
-      <p:sp>
-        <p:nvSpPr>
-          <p:cNvPr id="20" name="TextBox 19">
-            <a:extLst>
-              <a:ext uri="{FF2B5EF4-FFF2-40B4-BE49-F238E27FC236}">
-                <a16:creationId xmlns:a16="http://schemas.microsoft.com/office/drawing/2014/main" id="{F3AFAC23-2FE6-6361-D04E-539BA3715D99}"/>
-              </a:ext>
-            </a:extLst>
-          </p:cNvPr>
-          <p:cNvSpPr txBox="1"/>
-          <p:nvPr/>
-        </p:nvSpPr>
-        <p:spPr>
-          <a:xfrm>
-            <a:off x="2771272" y="1359568"/>
-            <a:ext cx="1840831" cy="369332"/>
-          </a:xfrm>
-          <a:prstGeom prst="rect">
-            <a:avLst/>
-          </a:prstGeom>
-          <a:solidFill>
-            <a:schemeClr val="bg1"/>
-          </a:solidFill>
-          <a:ln>
-            <a:solidFill>
-              <a:schemeClr val="tx1"/>
-            </a:solidFill>
-          </a:ln>
-        </p:spPr>
-        <p:txBody>
-          <a:bodyPr wrap="square" rtlCol="0">
-            <a:spAutoFit/>
-          </a:bodyPr>
-          <a:lstStyle/>
-          <a:p>
-            <a:pPr algn="ctr"/>
             <a:r>
               <a:rPr lang="en-US" altLang="ko-KR" dirty="0"/>
               <a:t>Module</a:t>
             </a:r>
+          </a:p>
+          <a:p>
+            <a:pPr algn="ctr"/>
+            <a:r>
+              <a:rPr lang="en-US" altLang="ko-KR" dirty="0"/>
+              <a:t>Child</a:t>
+            </a:r>
             <a:endParaRPr lang="ko-KR" altLang="en-US" dirty="0"/>
           </a:p>
         </p:txBody>
       </p:sp>
       <p:sp>
         <p:nvSpPr>
-          <p:cNvPr id="21" name="직사각형 20">
-            <a:extLst>
-              <a:ext uri="{FF2B5EF4-FFF2-40B4-BE49-F238E27FC236}">
-                <a16:creationId xmlns:a16="http://schemas.microsoft.com/office/drawing/2014/main" id="{2A657D96-0792-306E-88F1-84C210EE76C9}"/>
+          <p:cNvPr id="5" name="직사각형 4">
+            <a:extLst>
+              <a:ext uri="{FF2B5EF4-FFF2-40B4-BE49-F238E27FC236}">
+                <a16:creationId xmlns:a16="http://schemas.microsoft.com/office/drawing/2014/main" id="{2314E371-92A2-56E6-1B02-331E1897D73B}"/>
               </a:ext>
             </a:extLst>
           </p:cNvPr>
@@ -4696,8 +4200,8 @@
         </p:nvSpPr>
         <p:spPr>
           <a:xfrm>
-            <a:off x="980574" y="1991226"/>
-            <a:ext cx="2069431" cy="1600200"/>
+            <a:off x="9793184" y="1698171"/>
+            <a:ext cx="1560616" cy="2600697"/>
           </a:xfrm>
           <a:prstGeom prst="rect">
             <a:avLst/>
@@ -4726,14 +4230,14 @@
             <a:pPr algn="ctr"/>
             <a:r>
               <a:rPr lang="en-US" altLang="ko-KR" dirty="0"/>
-              <a:t>GPS</a:t>
+              <a:t>Module</a:t>
             </a:r>
           </a:p>
           <a:p>
             <a:pPr algn="ctr"/>
             <a:r>
               <a:rPr lang="en-US" altLang="ko-KR" dirty="0"/>
-              <a:t>(GPS6MU2)</a:t>
+              <a:t>Teacher</a:t>
             </a:r>
             <a:endParaRPr lang="ko-KR" altLang="en-US" dirty="0"/>
           </a:p>
@@ -4741,10 +4245,10 @@
       </p:sp>
       <p:sp>
         <p:nvSpPr>
-          <p:cNvPr id="22" name="직사각형 21">
-            <a:extLst>
-              <a:ext uri="{FF2B5EF4-FFF2-40B4-BE49-F238E27FC236}">
-                <a16:creationId xmlns:a16="http://schemas.microsoft.com/office/drawing/2014/main" id="{A4E404DC-9FCF-6A56-1988-DF54C03166B1}"/>
+          <p:cNvPr id="6" name="직사각형 5">
+            <a:extLst>
+              <a:ext uri="{FF2B5EF4-FFF2-40B4-BE49-F238E27FC236}">
+                <a16:creationId xmlns:a16="http://schemas.microsoft.com/office/drawing/2014/main" id="{D0821794-0918-CFE9-DFC1-ACEF40C676BE}"/>
               </a:ext>
             </a:extLst>
           </p:cNvPr>
@@ -4753,120 +4257,8 @@
         </p:nvSpPr>
         <p:spPr>
           <a:xfrm>
-            <a:off x="4174958" y="1977104"/>
-            <a:ext cx="2159668" cy="4165017"/>
-          </a:xfrm>
-          <a:prstGeom prst="rect">
-            <a:avLst/>
-          </a:prstGeom>
-        </p:spPr>
-        <p:style>
-          <a:lnRef idx="2">
-            <a:schemeClr val="accent6">
-              <a:shade val="50000"/>
-            </a:schemeClr>
-          </a:lnRef>
-          <a:fillRef idx="1">
-            <a:schemeClr val="accent6"/>
-          </a:fillRef>
-          <a:effectRef idx="0">
-            <a:schemeClr val="accent6"/>
-          </a:effectRef>
-          <a:fontRef idx="minor">
-            <a:schemeClr val="lt1"/>
-          </a:fontRef>
-        </p:style>
-        <p:txBody>
-          <a:bodyPr rtlCol="0" anchor="ctr"/>
-          <a:lstStyle/>
-          <a:p>
-            <a:pPr algn="ctr"/>
-            <a:r>
-              <a:rPr lang="en-US" altLang="ko-KR" dirty="0"/>
-              <a:t>MCU</a:t>
-            </a:r>
-          </a:p>
-          <a:p>
-            <a:pPr algn="ctr"/>
-            <a:r>
-              <a:rPr lang="en-US" altLang="ko-KR" dirty="0"/>
-              <a:t>(Arduino Micro)</a:t>
-            </a:r>
-            <a:endParaRPr lang="ko-KR" altLang="en-US" dirty="0"/>
-          </a:p>
-        </p:txBody>
-      </p:sp>
-      <p:sp>
-        <p:nvSpPr>
-          <p:cNvPr id="23" name="직사각형 22">
-            <a:extLst>
-              <a:ext uri="{FF2B5EF4-FFF2-40B4-BE49-F238E27FC236}">
-                <a16:creationId xmlns:a16="http://schemas.microsoft.com/office/drawing/2014/main" id="{C1CD28F4-F978-74BF-F646-744263781AF0}"/>
-              </a:ext>
-            </a:extLst>
-          </p:cNvPr>
-          <p:cNvSpPr/>
-          <p:nvPr/>
-        </p:nvSpPr>
-        <p:spPr>
-          <a:xfrm>
-            <a:off x="980574" y="4000500"/>
-            <a:ext cx="2069431" cy="926432"/>
-          </a:xfrm>
-          <a:prstGeom prst="rect">
-            <a:avLst/>
-          </a:prstGeom>
-          <a:solidFill>
-            <a:schemeClr val="bg2">
-              <a:lumMod val="75000"/>
-            </a:schemeClr>
-          </a:solidFill>
-        </p:spPr>
-        <p:style>
-          <a:lnRef idx="2">
-            <a:schemeClr val="accent1">
-              <a:shade val="50000"/>
-            </a:schemeClr>
-          </a:lnRef>
-          <a:fillRef idx="1">
-            <a:schemeClr val="accent1"/>
-          </a:fillRef>
-          <a:effectRef idx="0">
-            <a:schemeClr val="accent1"/>
-          </a:effectRef>
-          <a:fontRef idx="minor">
-            <a:schemeClr val="lt1"/>
-          </a:fontRef>
-        </p:style>
-        <p:txBody>
-          <a:bodyPr rtlCol="0" anchor="ctr"/>
-          <a:lstStyle/>
-          <a:p>
-            <a:pPr algn="ctr"/>
-            <a:r>
-              <a:rPr lang="en-US" altLang="ko-KR" dirty="0"/>
-              <a:t>Buzzer module</a:t>
-            </a:r>
-            <a:endParaRPr lang="ko-KR" altLang="en-US" dirty="0"/>
-          </a:p>
-        </p:txBody>
-      </p:sp>
-      <p:sp>
-        <p:nvSpPr>
-          <p:cNvPr id="25" name="직사각형 24">
-            <a:extLst>
-              <a:ext uri="{FF2B5EF4-FFF2-40B4-BE49-F238E27FC236}">
-                <a16:creationId xmlns:a16="http://schemas.microsoft.com/office/drawing/2014/main" id="{AC5706D6-B496-1761-88E6-15B7F3533655}"/>
-              </a:ext>
-            </a:extLst>
-          </p:cNvPr>
-          <p:cNvSpPr/>
-          <p:nvPr/>
-        </p:nvSpPr>
-        <p:spPr>
-          <a:xfrm>
-            <a:off x="980574" y="5215689"/>
-            <a:ext cx="2069431" cy="926432"/>
+            <a:off x="4201886" y="2196934"/>
+            <a:ext cx="3788228" cy="1603169"/>
           </a:xfrm>
           <a:prstGeom prst="rect">
             <a:avLst/>
@@ -4900,31 +4292,87 @@
           <a:p>
             <a:pPr algn="ctr"/>
             <a:r>
+              <a:rPr lang="en-US" altLang="ko-KR" b="1" dirty="0"/>
+              <a:t>Main MCU</a:t>
+            </a:r>
+            <a:endParaRPr lang="ko-KR" altLang="en-US" b="1" dirty="0"/>
+          </a:p>
+        </p:txBody>
+      </p:sp>
+      <p:sp>
+        <p:nvSpPr>
+          <p:cNvPr id="7" name="직사각형 6">
+            <a:extLst>
+              <a:ext uri="{FF2B5EF4-FFF2-40B4-BE49-F238E27FC236}">
+                <a16:creationId xmlns:a16="http://schemas.microsoft.com/office/drawing/2014/main" id="{B3D216D7-AFA8-407E-51B2-CBBC4A11DDF9}"/>
+              </a:ext>
+            </a:extLst>
+          </p:cNvPr>
+          <p:cNvSpPr/>
+          <p:nvPr/>
+        </p:nvSpPr>
+        <p:spPr>
+          <a:xfrm>
+            <a:off x="2319646" y="4702628"/>
+            <a:ext cx="7552707" cy="1151906"/>
+          </a:xfrm>
+          <a:prstGeom prst="rect">
+            <a:avLst/>
+          </a:prstGeom>
+          <a:solidFill>
+            <a:schemeClr val="accent6">
+              <a:lumMod val="60000"/>
+              <a:lumOff val="40000"/>
+            </a:schemeClr>
+          </a:solidFill>
+        </p:spPr>
+        <p:style>
+          <a:lnRef idx="2">
+            <a:schemeClr val="accent1">
+              <a:shade val="50000"/>
+            </a:schemeClr>
+          </a:lnRef>
+          <a:fillRef idx="1">
+            <a:schemeClr val="accent1"/>
+          </a:fillRef>
+          <a:effectRef idx="0">
+            <a:schemeClr val="accent1"/>
+          </a:effectRef>
+          <a:fontRef idx="minor">
+            <a:schemeClr val="lt1"/>
+          </a:fontRef>
+        </p:style>
+        <p:txBody>
+          <a:bodyPr rtlCol="0" anchor="ctr"/>
+          <a:lstStyle/>
+          <a:p>
+            <a:pPr algn="ctr"/>
+            <a:r>
               <a:rPr lang="en-US" altLang="ko-KR" dirty="0"/>
-              <a:t>LED</a:t>
-            </a:r>
+              <a:t>Main PC (monitoring)</a:t>
+            </a:r>
+            <a:endParaRPr lang="ko-KR" altLang="en-US" dirty="0"/>
           </a:p>
         </p:txBody>
       </p:sp>
       <p:cxnSp>
         <p:nvCxnSpPr>
-          <p:cNvPr id="27" name="직선 화살표 연결선 26">
-            <a:extLst>
-              <a:ext uri="{FF2B5EF4-FFF2-40B4-BE49-F238E27FC236}">
-                <a16:creationId xmlns:a16="http://schemas.microsoft.com/office/drawing/2014/main" id="{B4C21A76-23AB-0421-9E14-B9011AB05D06}"/>
+          <p:cNvPr id="9" name="직선 화살표 연결선 8">
+            <a:extLst>
+              <a:ext uri="{FF2B5EF4-FFF2-40B4-BE49-F238E27FC236}">
+                <a16:creationId xmlns:a16="http://schemas.microsoft.com/office/drawing/2014/main" id="{E318A370-A076-8D3D-A1BC-123C01A2E58A}"/>
               </a:ext>
             </a:extLst>
           </p:cNvPr>
           <p:cNvCxnSpPr>
             <a:cxnSpLocks/>
-            <a:endCxn id="25" idx="3"/>
           </p:cNvCxnSpPr>
           <p:nvPr/>
         </p:nvCxnSpPr>
         <p:spPr>
-          <a:xfrm flipH="1">
-            <a:off x="3050005" y="5678905"/>
-            <a:ext cx="1124953" cy="0"/>
+          <a:xfrm flipV="1">
+            <a:off x="2407354" y="2998519"/>
+            <a:ext cx="1803070" cy="1"/>
           </a:xfrm>
           <a:prstGeom prst="straightConnector1">
             <a:avLst/>
@@ -4953,22 +4401,24 @@
       </p:cxnSp>
       <p:cxnSp>
         <p:nvCxnSpPr>
-          <p:cNvPr id="30" name="직선 화살표 연결선 29">
-            <a:extLst>
-              <a:ext uri="{FF2B5EF4-FFF2-40B4-BE49-F238E27FC236}">
-                <a16:creationId xmlns:a16="http://schemas.microsoft.com/office/drawing/2014/main" id="{B4CBBD84-60A8-8EF2-A32A-23894DF95630}"/>
+          <p:cNvPr id="13" name="직선 화살표 연결선 12">
+            <a:extLst>
+              <a:ext uri="{FF2B5EF4-FFF2-40B4-BE49-F238E27FC236}">
+                <a16:creationId xmlns:a16="http://schemas.microsoft.com/office/drawing/2014/main" id="{861F2961-9ECF-CD47-0098-449935F0DA46}"/>
               </a:ext>
             </a:extLst>
           </p:cNvPr>
           <p:cNvCxnSpPr>
             <a:cxnSpLocks/>
+            <a:stCxn id="6" idx="2"/>
+            <a:endCxn id="7" idx="0"/>
           </p:cNvCxnSpPr>
           <p:nvPr/>
         </p:nvCxnSpPr>
         <p:spPr>
-          <a:xfrm flipH="1">
-            <a:off x="3050004" y="4463716"/>
-            <a:ext cx="1124953" cy="0"/>
+          <a:xfrm>
+            <a:off x="6096000" y="3800103"/>
+            <a:ext cx="0" cy="902525"/>
           </a:xfrm>
           <a:prstGeom prst="straightConnector1">
             <a:avLst/>
@@ -4995,24 +4445,113 @@
           </a:fontRef>
         </p:style>
       </p:cxnSp>
+      <p:sp>
+        <p:nvSpPr>
+          <p:cNvPr id="3" name="직사각형 2">
+            <a:extLst>
+              <a:ext uri="{FF2B5EF4-FFF2-40B4-BE49-F238E27FC236}">
+                <a16:creationId xmlns:a16="http://schemas.microsoft.com/office/drawing/2014/main" id="{2DDB3852-E2B1-9B7B-C2A7-EC9A9D63C352}"/>
+              </a:ext>
+            </a:extLst>
+          </p:cNvPr>
+          <p:cNvSpPr/>
+          <p:nvPr/>
+        </p:nvSpPr>
+        <p:spPr>
+          <a:xfrm>
+            <a:off x="5315693" y="4082688"/>
+            <a:ext cx="1560613" cy="300789"/>
+          </a:xfrm>
+          <a:prstGeom prst="rect">
+            <a:avLst/>
+          </a:prstGeom>
+          <a:solidFill>
+            <a:srgbClr val="FFC000"/>
+          </a:solidFill>
+        </p:spPr>
+        <p:style>
+          <a:lnRef idx="2">
+            <a:schemeClr val="accent1">
+              <a:shade val="50000"/>
+            </a:schemeClr>
+          </a:lnRef>
+          <a:fillRef idx="1">
+            <a:schemeClr val="accent1"/>
+          </a:fillRef>
+          <a:effectRef idx="0">
+            <a:schemeClr val="accent1"/>
+          </a:effectRef>
+          <a:fontRef idx="minor">
+            <a:schemeClr val="lt1"/>
+          </a:fontRef>
+        </p:style>
+        <p:txBody>
+          <a:bodyPr rtlCol="0" anchor="ctr"/>
+          <a:lstStyle/>
+          <a:p>
+            <a:pPr algn="ctr"/>
+            <a:r>
+              <a:rPr lang="en-US" altLang="ko-KR" sz="1400" dirty="0"/>
+              <a:t>LCD</a:t>
+            </a:r>
+            <a:endParaRPr lang="ko-KR" altLang="en-US" sz="1400" dirty="0"/>
+          </a:p>
+        </p:txBody>
+      </p:sp>
+      <p:sp>
+        <p:nvSpPr>
+          <p:cNvPr id="8" name="TextBox 7">
+            <a:extLst>
+              <a:ext uri="{FF2B5EF4-FFF2-40B4-BE49-F238E27FC236}">
+                <a16:creationId xmlns:a16="http://schemas.microsoft.com/office/drawing/2014/main" id="{68211DC2-F375-3626-6F68-6FC56AAB3D19}"/>
+              </a:ext>
+            </a:extLst>
+          </p:cNvPr>
+          <p:cNvSpPr txBox="1"/>
+          <p:nvPr/>
+        </p:nvSpPr>
+        <p:spPr>
+          <a:xfrm>
+            <a:off x="2853852" y="2642751"/>
+            <a:ext cx="910073" cy="307777"/>
+          </a:xfrm>
+          <a:prstGeom prst="rect">
+            <a:avLst/>
+          </a:prstGeom>
+          <a:noFill/>
+        </p:spPr>
+        <p:txBody>
+          <a:bodyPr wrap="square" rtlCol="0">
+            <a:spAutoFit/>
+          </a:bodyPr>
+          <a:lstStyle/>
+          <a:p>
+            <a:r>
+              <a:rPr lang="en-US" altLang="ko-KR" sz="1400" dirty="0"/>
+              <a:t>Serial Rx</a:t>
+            </a:r>
+            <a:endParaRPr lang="ko-KR" altLang="en-US" sz="1400" dirty="0"/>
+          </a:p>
+        </p:txBody>
+      </p:sp>
       <p:cxnSp>
         <p:nvCxnSpPr>
-          <p:cNvPr id="34" name="직선 화살표 연결선 33">
-            <a:extLst>
-              <a:ext uri="{FF2B5EF4-FFF2-40B4-BE49-F238E27FC236}">
-                <a16:creationId xmlns:a16="http://schemas.microsoft.com/office/drawing/2014/main" id="{1DD351B4-4585-30D7-69D5-FF2868423A13}"/>
+          <p:cNvPr id="11" name="직선 화살표 연결선 10">
+            <a:extLst>
+              <a:ext uri="{FF2B5EF4-FFF2-40B4-BE49-F238E27FC236}">
+                <a16:creationId xmlns:a16="http://schemas.microsoft.com/office/drawing/2014/main" id="{CA98D9A6-CC09-1EED-D11A-5ED9A66EEAD2}"/>
               </a:ext>
             </a:extLst>
           </p:cNvPr>
           <p:cNvCxnSpPr>
-            <a:stCxn id="21" idx="3"/>
+            <a:cxnSpLocks/>
           </p:cNvCxnSpPr>
           <p:nvPr/>
         </p:nvCxnSpPr>
         <p:spPr>
-          <a:xfrm>
-            <a:off x="3050005" y="2791326"/>
-            <a:ext cx="1124952" cy="0"/>
+          <a:xfrm flipH="1" flipV="1">
+            <a:off x="2407354" y="3139811"/>
+            <a:ext cx="1803070" cy="1"/>
           </a:xfrm>
           <a:prstGeom prst="straightConnector1">
             <a:avLst/>
@@ -5021,7 +4560,6 @@
             <a:solidFill>
               <a:schemeClr val="tx1"/>
             </a:solidFill>
-            <a:headEnd type="triangle"/>
             <a:tailEnd type="triangle"/>
           </a:ln>
         </p:spPr>
@@ -5042,10 +4580,10 @@
       </p:cxnSp>
       <p:sp>
         <p:nvSpPr>
-          <p:cNvPr id="35" name="TextBox 34">
-            <a:extLst>
-              <a:ext uri="{FF2B5EF4-FFF2-40B4-BE49-F238E27FC236}">
-                <a16:creationId xmlns:a16="http://schemas.microsoft.com/office/drawing/2014/main" id="{F120441C-433F-351D-0325-C3C9CCFE4F58}"/>
+          <p:cNvPr id="14" name="TextBox 13">
+            <a:extLst>
+              <a:ext uri="{FF2B5EF4-FFF2-40B4-BE49-F238E27FC236}">
+                <a16:creationId xmlns:a16="http://schemas.microsoft.com/office/drawing/2014/main" id="{F95A18A3-DAF2-0237-BD54-B577E7326A80}"/>
               </a:ext>
             </a:extLst>
           </p:cNvPr>
@@ -5054,8 +4592,8 @@
         </p:nvSpPr>
         <p:spPr>
           <a:xfrm>
-            <a:off x="3250816" y="2238272"/>
-            <a:ext cx="687636" cy="523220"/>
+            <a:off x="2845314" y="3200399"/>
+            <a:ext cx="910073" cy="307777"/>
           </a:xfrm>
           <a:prstGeom prst="rect">
             <a:avLst/>
@@ -5070,152 +4608,18 @@
           <a:p>
             <a:r>
               <a:rPr lang="en-US" altLang="ko-KR" sz="1400" dirty="0"/>
-              <a:t>Serial </a:t>
-            </a:r>
-          </a:p>
-          <a:p>
-            <a:r>
-              <a:rPr lang="en-US" altLang="ko-KR" sz="1400" dirty="0"/>
-              <a:t>Tx, Rx</a:t>
+              <a:t>Serial Tx</a:t>
             </a:r>
             <a:endParaRPr lang="ko-KR" altLang="en-US" sz="1400" dirty="0"/>
-          </a:p>
-        </p:txBody>
-      </p:sp>
-      <p:sp>
-        <p:nvSpPr>
-          <p:cNvPr id="37" name="TextBox 36">
-            <a:extLst>
-              <a:ext uri="{FF2B5EF4-FFF2-40B4-BE49-F238E27FC236}">
-                <a16:creationId xmlns:a16="http://schemas.microsoft.com/office/drawing/2014/main" id="{20CE582E-326E-7CBD-69EA-E4C25B96AB5E}"/>
-              </a:ext>
-            </a:extLst>
-          </p:cNvPr>
-          <p:cNvSpPr txBox="1"/>
-          <p:nvPr/>
-        </p:nvSpPr>
-        <p:spPr>
-          <a:xfrm>
-            <a:off x="3262819" y="3910495"/>
-            <a:ext cx="793886" cy="523220"/>
-          </a:xfrm>
-          <a:prstGeom prst="rect">
-            <a:avLst/>
-          </a:prstGeom>
-          <a:noFill/>
-        </p:spPr>
-        <p:txBody>
-          <a:bodyPr wrap="square" rtlCol="0">
-            <a:spAutoFit/>
-          </a:bodyPr>
-          <a:lstStyle/>
-          <a:p>
-            <a:r>
-              <a:rPr lang="en-US" altLang="ko-KR" sz="1400" dirty="0"/>
-              <a:t>GPIO Output</a:t>
-            </a:r>
-            <a:endParaRPr lang="ko-KR" altLang="en-US" sz="1400" dirty="0"/>
-          </a:p>
-        </p:txBody>
-      </p:sp>
-      <p:sp>
-        <p:nvSpPr>
-          <p:cNvPr id="38" name="TextBox 37">
-            <a:extLst>
-              <a:ext uri="{FF2B5EF4-FFF2-40B4-BE49-F238E27FC236}">
-                <a16:creationId xmlns:a16="http://schemas.microsoft.com/office/drawing/2014/main" id="{F7F70770-59F1-4A60-D7A0-5AFEDF09B7D2}"/>
-              </a:ext>
-            </a:extLst>
-          </p:cNvPr>
-          <p:cNvSpPr txBox="1"/>
-          <p:nvPr/>
-        </p:nvSpPr>
-        <p:spPr>
-          <a:xfrm>
-            <a:off x="3215538" y="5114741"/>
-            <a:ext cx="793886" cy="523220"/>
-          </a:xfrm>
-          <a:prstGeom prst="rect">
-            <a:avLst/>
-          </a:prstGeom>
-          <a:noFill/>
-        </p:spPr>
-        <p:txBody>
-          <a:bodyPr wrap="square" rtlCol="0">
-            <a:spAutoFit/>
-          </a:bodyPr>
-          <a:lstStyle/>
-          <a:p>
-            <a:r>
-              <a:rPr lang="en-US" altLang="ko-KR" sz="1400" dirty="0"/>
-              <a:t>GPIO Output</a:t>
-            </a:r>
-            <a:endParaRPr lang="ko-KR" altLang="en-US" sz="1400" dirty="0"/>
-          </a:p>
-        </p:txBody>
-      </p:sp>
-      <p:sp>
-        <p:nvSpPr>
-          <p:cNvPr id="3" name="직사각형 2">
-            <a:extLst>
-              <a:ext uri="{FF2B5EF4-FFF2-40B4-BE49-F238E27FC236}">
-                <a16:creationId xmlns:a16="http://schemas.microsoft.com/office/drawing/2014/main" id="{A71D3AD5-F4A0-853B-6F92-C370809E0866}"/>
-              </a:ext>
-            </a:extLst>
-          </p:cNvPr>
-          <p:cNvSpPr/>
-          <p:nvPr/>
-        </p:nvSpPr>
-        <p:spPr>
-          <a:xfrm>
-            <a:off x="10518006" y="1558089"/>
-            <a:ext cx="1386840" cy="4934784"/>
-          </a:xfrm>
-          <a:prstGeom prst="rect">
-            <a:avLst/>
-          </a:prstGeom>
-          <a:solidFill>
-            <a:schemeClr val="accent2">
-              <a:lumMod val="60000"/>
-              <a:lumOff val="40000"/>
-            </a:schemeClr>
-          </a:solidFill>
-        </p:spPr>
-        <p:style>
-          <a:lnRef idx="2">
-            <a:schemeClr val="accent1">
-              <a:shade val="50000"/>
-            </a:schemeClr>
-          </a:lnRef>
-          <a:fillRef idx="1">
-            <a:schemeClr val="accent1"/>
-          </a:fillRef>
-          <a:effectRef idx="0">
-            <a:schemeClr val="accent1"/>
-          </a:effectRef>
-          <a:fontRef idx="minor">
-            <a:schemeClr val="lt1"/>
-          </a:fontRef>
-        </p:style>
-        <p:txBody>
-          <a:bodyPr rtlCol="0" anchor="ctr"/>
-          <a:lstStyle/>
-          <a:p>
-            <a:pPr algn="ctr"/>
-            <a:r>
-              <a:rPr lang="en-US" altLang="ko-KR" b="1" dirty="0"/>
-              <a:t>Main MCU</a:t>
-            </a:r>
-            <a:endParaRPr lang="ko-KR" altLang="en-US" b="1" dirty="0"/>
           </a:p>
         </p:txBody>
       </p:sp>
       <p:cxnSp>
         <p:nvCxnSpPr>
-          <p:cNvPr id="5" name="직선 화살표 연결선 4">
-            <a:extLst>
-              <a:ext uri="{FF2B5EF4-FFF2-40B4-BE49-F238E27FC236}">
-                <a16:creationId xmlns:a16="http://schemas.microsoft.com/office/drawing/2014/main" id="{CA78A12E-CA8C-1E59-C0ED-51A953234E71}"/>
+          <p:cNvPr id="20" name="직선 화살표 연결선 19">
+            <a:extLst>
+              <a:ext uri="{FF2B5EF4-FFF2-40B4-BE49-F238E27FC236}">
+                <a16:creationId xmlns:a16="http://schemas.microsoft.com/office/drawing/2014/main" id="{327223B6-E06F-C88D-7704-3B37296E90DF}"/>
               </a:ext>
             </a:extLst>
           </p:cNvPr>
@@ -5225,14 +4629,14 @@
           <p:nvPr/>
         </p:nvCxnSpPr>
         <p:spPr>
-          <a:xfrm>
-            <a:off x="6334626" y="3429000"/>
-            <a:ext cx="4183380" cy="0"/>
+          <a:xfrm flipV="1">
+            <a:off x="7998653" y="2998519"/>
+            <a:ext cx="1803070" cy="1"/>
           </a:xfrm>
           <a:prstGeom prst="straightConnector1">
             <a:avLst/>
           </a:prstGeom>
-          <a:ln w="50800">
+          <a:ln w="25400">
             <a:solidFill>
               <a:schemeClr val="tx1"/>
             </a:solidFill>
@@ -5254,12 +4658,48 @@
           </a:fontRef>
         </p:style>
       </p:cxnSp>
+      <p:sp>
+        <p:nvSpPr>
+          <p:cNvPr id="21" name="TextBox 20">
+            <a:extLst>
+              <a:ext uri="{FF2B5EF4-FFF2-40B4-BE49-F238E27FC236}">
+                <a16:creationId xmlns:a16="http://schemas.microsoft.com/office/drawing/2014/main" id="{48EA4B85-D30D-D855-7FE2-766D8D965293}"/>
+              </a:ext>
+            </a:extLst>
+          </p:cNvPr>
+          <p:cNvSpPr txBox="1"/>
+          <p:nvPr/>
+        </p:nvSpPr>
+        <p:spPr>
+          <a:xfrm>
+            <a:off x="8445151" y="2642751"/>
+            <a:ext cx="910073" cy="307777"/>
+          </a:xfrm>
+          <a:prstGeom prst="rect">
+            <a:avLst/>
+          </a:prstGeom>
+          <a:noFill/>
+        </p:spPr>
+        <p:txBody>
+          <a:bodyPr wrap="square" rtlCol="0">
+            <a:spAutoFit/>
+          </a:bodyPr>
+          <a:lstStyle/>
+          <a:p>
+            <a:r>
+              <a:rPr lang="en-US" altLang="ko-KR" sz="1400" dirty="0"/>
+              <a:t>Serial Rx</a:t>
+            </a:r>
+            <a:endParaRPr lang="ko-KR" altLang="en-US" sz="1400" dirty="0"/>
+          </a:p>
+        </p:txBody>
+      </p:sp>
       <p:cxnSp>
         <p:nvCxnSpPr>
-          <p:cNvPr id="10" name="직선 화살표 연결선 9">
-            <a:extLst>
-              <a:ext uri="{FF2B5EF4-FFF2-40B4-BE49-F238E27FC236}">
-                <a16:creationId xmlns:a16="http://schemas.microsoft.com/office/drawing/2014/main" id="{FDBF383E-2A8F-CC78-A68F-B2EDEA63ACA2}"/>
+          <p:cNvPr id="22" name="직선 화살표 연결선 21">
+            <a:extLst>
+              <a:ext uri="{FF2B5EF4-FFF2-40B4-BE49-F238E27FC236}">
+                <a16:creationId xmlns:a16="http://schemas.microsoft.com/office/drawing/2014/main" id="{16EC31FF-7F02-8D55-D3D1-972DDE022D32}"/>
               </a:ext>
             </a:extLst>
           </p:cNvPr>
@@ -5269,14 +4709,14 @@
           <p:nvPr/>
         </p:nvCxnSpPr>
         <p:spPr>
-          <a:xfrm flipH="1">
-            <a:off x="6334626" y="5114741"/>
-            <a:ext cx="4183380" cy="0"/>
+          <a:xfrm flipH="1" flipV="1">
+            <a:off x="7998653" y="3139811"/>
+            <a:ext cx="1803070" cy="1"/>
           </a:xfrm>
           <a:prstGeom prst="straightConnector1">
             <a:avLst/>
           </a:prstGeom>
-          <a:ln w="50800">
+          <a:ln w="25400">
             <a:solidFill>
               <a:schemeClr val="tx1"/>
             </a:solidFill>
@@ -5300,10 +4740,10 @@
       </p:cxnSp>
       <p:sp>
         <p:nvSpPr>
-          <p:cNvPr id="11" name="TextBox 10">
-            <a:extLst>
-              <a:ext uri="{FF2B5EF4-FFF2-40B4-BE49-F238E27FC236}">
-                <a16:creationId xmlns:a16="http://schemas.microsoft.com/office/drawing/2014/main" id="{5ACBC6F8-9EF3-3623-3856-F6DD70606F08}"/>
+          <p:cNvPr id="23" name="TextBox 22">
+            <a:extLst>
+              <a:ext uri="{FF2B5EF4-FFF2-40B4-BE49-F238E27FC236}">
+                <a16:creationId xmlns:a16="http://schemas.microsoft.com/office/drawing/2014/main" id="{D407F28B-870F-63F4-BE96-2EE1FF8C3D67}"/>
               </a:ext>
             </a:extLst>
           </p:cNvPr>
@@ -5312,8 +4752,8 @@
         </p:nvSpPr>
         <p:spPr>
           <a:xfrm>
-            <a:off x="7618395" y="2904065"/>
-            <a:ext cx="1946709" cy="523220"/>
+            <a:off x="8436613" y="3200399"/>
+            <a:ext cx="910073" cy="307777"/>
           </a:xfrm>
           <a:prstGeom prst="rect">
             <a:avLst/>
@@ -5330,68 +4770,14 @@
               <a:rPr lang="en-US" altLang="ko-KR" sz="1400" dirty="0"/>
               <a:t>Serial Tx</a:t>
             </a:r>
-          </a:p>
-          <a:p>
-            <a:r>
-              <a:rPr lang="en-US" altLang="ko-KR" sz="1400" dirty="0"/>
-              <a:t>(Child location, </a:t>
-            </a:r>
-            <a:r>
-              <a:rPr lang="en-US" altLang="ko-KR" sz="1400" dirty="0" err="1"/>
-              <a:t>etc</a:t>
-            </a:r>
-            <a:r>
-              <a:rPr lang="en-US" altLang="ko-KR" sz="1400" dirty="0"/>
-              <a:t>… )</a:t>
-            </a:r>
-          </a:p>
-        </p:txBody>
-      </p:sp>
-      <p:sp>
-        <p:nvSpPr>
-          <p:cNvPr id="12" name="TextBox 11">
-            <a:extLst>
-              <a:ext uri="{FF2B5EF4-FFF2-40B4-BE49-F238E27FC236}">
-                <a16:creationId xmlns:a16="http://schemas.microsoft.com/office/drawing/2014/main" id="{2169F3AD-1739-FECD-713D-74467262B6A0}"/>
-              </a:ext>
-            </a:extLst>
-          </p:cNvPr>
-          <p:cNvSpPr txBox="1"/>
-          <p:nvPr/>
-        </p:nvSpPr>
-        <p:spPr>
-          <a:xfrm>
-            <a:off x="7618395" y="4589805"/>
-            <a:ext cx="2173306" cy="523220"/>
-          </a:xfrm>
-          <a:prstGeom prst="rect">
-            <a:avLst/>
-          </a:prstGeom>
-          <a:noFill/>
-        </p:spPr>
-        <p:txBody>
-          <a:bodyPr wrap="square" rtlCol="0">
-            <a:spAutoFit/>
-          </a:bodyPr>
-          <a:lstStyle/>
-          <a:p>
-            <a:r>
-              <a:rPr lang="en-US" altLang="ko-KR" sz="1400" dirty="0"/>
-              <a:t>Serial Rx</a:t>
-            </a:r>
-          </a:p>
-          <a:p>
-            <a:r>
-              <a:rPr lang="en-US" altLang="ko-KR" sz="1400" dirty="0"/>
-              <a:t>(Warning Clear Signal,)</a:t>
-            </a:r>
+            <a:endParaRPr lang="ko-KR" altLang="en-US" sz="1400" dirty="0"/>
           </a:p>
         </p:txBody>
       </p:sp>
     </p:spTree>
     <p:extLst>
       <p:ext uri="{BB962C8B-B14F-4D97-AF65-F5344CB8AC3E}">
-        <p14:creationId xmlns:p14="http://schemas.microsoft.com/office/powerpoint/2010/main" val="1368460774"/>
+        <p14:creationId xmlns:p14="http://schemas.microsoft.com/office/powerpoint/2010/main" val="4216304705"/>
       </p:ext>
     </p:extLst>
   </p:cSld>
@@ -5448,7 +4834,7 @@
           <a:p>
             <a:r>
               <a:rPr lang="en-US" altLang="ko-KR" dirty="0"/>
-              <a:t>Module Teacher Configuration</a:t>
+              <a:t>Module Child Configuration</a:t>
             </a:r>
             <a:endParaRPr lang="ko-KR" altLang="en-US" dirty="0"/>
           </a:p>
@@ -5468,7 +4854,7 @@
         </p:nvSpPr>
         <p:spPr>
           <a:xfrm>
-            <a:off x="5861385" y="1558089"/>
+            <a:off x="717883" y="1558089"/>
             <a:ext cx="5947611" cy="4934784"/>
           </a:xfrm>
           <a:prstGeom prst="rect">
@@ -5516,7 +4902,7 @@
         </p:nvSpPr>
         <p:spPr>
           <a:xfrm>
-            <a:off x="7914774" y="1359568"/>
+            <a:off x="2771272" y="1359568"/>
             <a:ext cx="1840831" cy="369332"/>
           </a:xfrm>
           <a:prstGeom prst="rect">
@@ -5548,10 +4934,10 @@
       </p:sp>
       <p:sp>
         <p:nvSpPr>
-          <p:cNvPr id="22" name="직사각형 21">
-            <a:extLst>
-              <a:ext uri="{FF2B5EF4-FFF2-40B4-BE49-F238E27FC236}">
-                <a16:creationId xmlns:a16="http://schemas.microsoft.com/office/drawing/2014/main" id="{A4E404DC-9FCF-6A56-1988-DF54C03166B1}"/>
+          <p:cNvPr id="21" name="직사각형 20">
+            <a:extLst>
+              <a:ext uri="{FF2B5EF4-FFF2-40B4-BE49-F238E27FC236}">
+                <a16:creationId xmlns:a16="http://schemas.microsoft.com/office/drawing/2014/main" id="{2A657D96-0792-306E-88F1-84C210EE76C9}"/>
               </a:ext>
             </a:extLst>
           </p:cNvPr>
@@ -5560,7 +4946,64 @@
         </p:nvSpPr>
         <p:spPr>
           <a:xfrm>
-            <a:off x="6117687" y="1977104"/>
+            <a:off x="980574" y="1991226"/>
+            <a:ext cx="2069431" cy="1600200"/>
+          </a:xfrm>
+          <a:prstGeom prst="rect">
+            <a:avLst/>
+          </a:prstGeom>
+        </p:spPr>
+        <p:style>
+          <a:lnRef idx="2">
+            <a:schemeClr val="accent1">
+              <a:shade val="50000"/>
+            </a:schemeClr>
+          </a:lnRef>
+          <a:fillRef idx="1">
+            <a:schemeClr val="accent1"/>
+          </a:fillRef>
+          <a:effectRef idx="0">
+            <a:schemeClr val="accent1"/>
+          </a:effectRef>
+          <a:fontRef idx="minor">
+            <a:schemeClr val="lt1"/>
+          </a:fontRef>
+        </p:style>
+        <p:txBody>
+          <a:bodyPr rtlCol="0" anchor="ctr"/>
+          <a:lstStyle/>
+          <a:p>
+            <a:pPr algn="ctr"/>
+            <a:r>
+              <a:rPr lang="en-US" altLang="ko-KR" dirty="0"/>
+              <a:t>GPS</a:t>
+            </a:r>
+          </a:p>
+          <a:p>
+            <a:pPr algn="ctr"/>
+            <a:r>
+              <a:rPr lang="en-US" altLang="ko-KR" dirty="0"/>
+              <a:t>(GPS6MU2)</a:t>
+            </a:r>
+            <a:endParaRPr lang="ko-KR" altLang="en-US" dirty="0"/>
+          </a:p>
+        </p:txBody>
+      </p:sp>
+      <p:sp>
+        <p:nvSpPr>
+          <p:cNvPr id="22" name="직사각형 21">
+            <a:extLst>
+              <a:ext uri="{FF2B5EF4-FFF2-40B4-BE49-F238E27FC236}">
+                <a16:creationId xmlns:a16="http://schemas.microsoft.com/office/drawing/2014/main" id="{A4E404DC-9FCF-6A56-1988-DF54C03166B1}"/>
+              </a:ext>
+            </a:extLst>
+          </p:cNvPr>
+          <p:cNvSpPr/>
+          <p:nvPr/>
+        </p:nvSpPr>
+        <p:spPr>
+          <a:xfrm>
+            <a:off x="4174958" y="1977104"/>
             <a:ext cx="2159668" cy="4165017"/>
           </a:xfrm>
           <a:prstGeom prst="rect">
@@ -5617,7 +5060,7 @@
         </p:nvSpPr>
         <p:spPr>
           <a:xfrm>
-            <a:off x="9363578" y="4000500"/>
+            <a:off x="980574" y="4000500"/>
             <a:ext cx="2069431" cy="926432"/>
           </a:xfrm>
           <a:prstGeom prst="rect">
@@ -5672,7 +5115,7 @@
         </p:nvSpPr>
         <p:spPr>
           <a:xfrm>
-            <a:off x="9363578" y="5215689"/>
+            <a:off x="980574" y="5215689"/>
             <a:ext cx="2069431" cy="926432"/>
           </a:xfrm>
           <a:prstGeom prst="rect">
@@ -5724,12 +5167,13 @@
           </p:cNvPr>
           <p:cNvCxnSpPr>
             <a:cxnSpLocks/>
+            <a:endCxn id="25" idx="3"/>
           </p:cNvCxnSpPr>
           <p:nvPr/>
         </p:nvCxnSpPr>
         <p:spPr>
-          <a:xfrm rot="10800000" flipH="1">
-            <a:off x="8277355" y="5678905"/>
+          <a:xfrm flipH="1">
+            <a:off x="3050005" y="5678905"/>
             <a:ext cx="1124953" cy="0"/>
           </a:xfrm>
           <a:prstGeom prst="straightConnector1">
@@ -5772,8 +5216,8 @@
           <p:nvPr/>
         </p:nvCxnSpPr>
         <p:spPr>
-          <a:xfrm rot="10800000" flipH="1">
-            <a:off x="8257990" y="4463716"/>
+          <a:xfrm flipH="1">
+            <a:off x="3050004" y="4463716"/>
             <a:ext cx="1124953" cy="0"/>
           </a:xfrm>
           <a:prstGeom prst="straightConnector1">
@@ -5801,12 +5245,57 @@
           </a:fontRef>
         </p:style>
       </p:cxnSp>
-      <p:sp>
-        <p:nvSpPr>
-          <p:cNvPr id="37" name="TextBox 36">
-            <a:extLst>
-              <a:ext uri="{FF2B5EF4-FFF2-40B4-BE49-F238E27FC236}">
-                <a16:creationId xmlns:a16="http://schemas.microsoft.com/office/drawing/2014/main" id="{20CE582E-326E-7CBD-69EA-E4C25B96AB5E}"/>
+      <p:cxnSp>
+        <p:nvCxnSpPr>
+          <p:cNvPr id="34" name="직선 화살표 연결선 33">
+            <a:extLst>
+              <a:ext uri="{FF2B5EF4-FFF2-40B4-BE49-F238E27FC236}">
+                <a16:creationId xmlns:a16="http://schemas.microsoft.com/office/drawing/2014/main" id="{1DD351B4-4585-30D7-69D5-FF2868423A13}"/>
+              </a:ext>
+            </a:extLst>
+          </p:cNvPr>
+          <p:cNvCxnSpPr>
+            <a:stCxn id="21" idx="3"/>
+          </p:cNvCxnSpPr>
+          <p:nvPr/>
+        </p:nvCxnSpPr>
+        <p:spPr>
+          <a:xfrm>
+            <a:off x="3050005" y="2791326"/>
+            <a:ext cx="1124952" cy="0"/>
+          </a:xfrm>
+          <a:prstGeom prst="straightConnector1">
+            <a:avLst/>
+          </a:prstGeom>
+          <a:ln w="25400">
+            <a:solidFill>
+              <a:schemeClr val="tx1"/>
+            </a:solidFill>
+            <a:headEnd type="triangle"/>
+            <a:tailEnd type="triangle"/>
+          </a:ln>
+        </p:spPr>
+        <p:style>
+          <a:lnRef idx="1">
+            <a:schemeClr val="accent1"/>
+          </a:lnRef>
+          <a:fillRef idx="0">
+            <a:schemeClr val="accent1"/>
+          </a:fillRef>
+          <a:effectRef idx="0">
+            <a:schemeClr val="accent1"/>
+          </a:effectRef>
+          <a:fontRef idx="minor">
+            <a:schemeClr val="tx1"/>
+          </a:fontRef>
+        </p:style>
+      </p:cxnSp>
+      <p:sp>
+        <p:nvSpPr>
+          <p:cNvPr id="35" name="TextBox 34">
+            <a:extLst>
+              <a:ext uri="{FF2B5EF4-FFF2-40B4-BE49-F238E27FC236}">
+                <a16:creationId xmlns:a16="http://schemas.microsoft.com/office/drawing/2014/main" id="{F120441C-433F-351D-0325-C3C9CCFE4F58}"/>
               </a:ext>
             </a:extLst>
           </p:cNvPr>
@@ -5815,8 +5304,8 @@
         </p:nvSpPr>
         <p:spPr>
           <a:xfrm>
-            <a:off x="8359040" y="3940496"/>
-            <a:ext cx="793886" cy="523220"/>
+            <a:off x="3250816" y="2238272"/>
+            <a:ext cx="687636" cy="523220"/>
           </a:xfrm>
           <a:prstGeom prst="rect">
             <a:avLst/>
@@ -5831,7 +5320,13 @@
           <a:p>
             <a:r>
               <a:rPr lang="en-US" altLang="ko-KR" sz="1400" dirty="0"/>
-              <a:t>GPIO Output</a:t>
+              <a:t>Serial </a:t>
+            </a:r>
+          </a:p>
+          <a:p>
+            <a:r>
+              <a:rPr lang="en-US" altLang="ko-KR" sz="1400" dirty="0"/>
+              <a:t>Tx, Rx</a:t>
             </a:r>
             <a:endParaRPr lang="ko-KR" altLang="en-US" sz="1400" dirty="0"/>
           </a:p>
@@ -5839,10 +5334,10 @@
       </p:sp>
       <p:sp>
         <p:nvSpPr>
-          <p:cNvPr id="38" name="TextBox 37">
-            <a:extLst>
-              <a:ext uri="{FF2B5EF4-FFF2-40B4-BE49-F238E27FC236}">
-                <a16:creationId xmlns:a16="http://schemas.microsoft.com/office/drawing/2014/main" id="{F7F70770-59F1-4A60-D7A0-5AFEDF09B7D2}"/>
+          <p:cNvPr id="37" name="TextBox 36">
+            <a:extLst>
+              <a:ext uri="{FF2B5EF4-FFF2-40B4-BE49-F238E27FC236}">
+                <a16:creationId xmlns:a16="http://schemas.microsoft.com/office/drawing/2014/main" id="{20CE582E-326E-7CBD-69EA-E4C25B96AB5E}"/>
               </a:ext>
             </a:extLst>
           </p:cNvPr>
@@ -5851,7 +5346,7 @@
         </p:nvSpPr>
         <p:spPr>
           <a:xfrm>
-            <a:off x="8359040" y="5114741"/>
+            <a:off x="3262819" y="3910495"/>
             <a:ext cx="793886" cy="523220"/>
           </a:xfrm>
           <a:prstGeom prst="rect">
@@ -5870,6 +5365,98 @@
               <a:t>GPIO Output</a:t>
             </a:r>
             <a:endParaRPr lang="ko-KR" altLang="en-US" sz="1400" dirty="0"/>
+          </a:p>
+        </p:txBody>
+      </p:sp>
+      <p:sp>
+        <p:nvSpPr>
+          <p:cNvPr id="38" name="TextBox 37">
+            <a:extLst>
+              <a:ext uri="{FF2B5EF4-FFF2-40B4-BE49-F238E27FC236}">
+                <a16:creationId xmlns:a16="http://schemas.microsoft.com/office/drawing/2014/main" id="{F7F70770-59F1-4A60-D7A0-5AFEDF09B7D2}"/>
+              </a:ext>
+            </a:extLst>
+          </p:cNvPr>
+          <p:cNvSpPr txBox="1"/>
+          <p:nvPr/>
+        </p:nvSpPr>
+        <p:spPr>
+          <a:xfrm>
+            <a:off x="3215538" y="5114741"/>
+            <a:ext cx="793886" cy="523220"/>
+          </a:xfrm>
+          <a:prstGeom prst="rect">
+            <a:avLst/>
+          </a:prstGeom>
+          <a:noFill/>
+        </p:spPr>
+        <p:txBody>
+          <a:bodyPr wrap="square" rtlCol="0">
+            <a:spAutoFit/>
+          </a:bodyPr>
+          <a:lstStyle/>
+          <a:p>
+            <a:r>
+              <a:rPr lang="en-US" altLang="ko-KR" sz="1400" dirty="0"/>
+              <a:t>GPIO Output</a:t>
+            </a:r>
+            <a:endParaRPr lang="ko-KR" altLang="en-US" sz="1400" dirty="0"/>
+          </a:p>
+        </p:txBody>
+      </p:sp>
+      <p:sp>
+        <p:nvSpPr>
+          <p:cNvPr id="3" name="직사각형 2">
+            <a:extLst>
+              <a:ext uri="{FF2B5EF4-FFF2-40B4-BE49-F238E27FC236}">
+                <a16:creationId xmlns:a16="http://schemas.microsoft.com/office/drawing/2014/main" id="{A71D3AD5-F4A0-853B-6F92-C370809E0866}"/>
+              </a:ext>
+            </a:extLst>
+          </p:cNvPr>
+          <p:cNvSpPr/>
+          <p:nvPr/>
+        </p:nvSpPr>
+        <p:spPr>
+          <a:xfrm>
+            <a:off x="10518006" y="1558089"/>
+            <a:ext cx="1386840" cy="4934784"/>
+          </a:xfrm>
+          <a:prstGeom prst="rect">
+            <a:avLst/>
+          </a:prstGeom>
+          <a:solidFill>
+            <a:schemeClr val="accent2">
+              <a:lumMod val="60000"/>
+              <a:lumOff val="40000"/>
+            </a:schemeClr>
+          </a:solidFill>
+        </p:spPr>
+        <p:style>
+          <a:lnRef idx="2">
+            <a:schemeClr val="accent1">
+              <a:shade val="50000"/>
+            </a:schemeClr>
+          </a:lnRef>
+          <a:fillRef idx="1">
+            <a:schemeClr val="accent1"/>
+          </a:fillRef>
+          <a:effectRef idx="0">
+            <a:schemeClr val="accent1"/>
+          </a:effectRef>
+          <a:fontRef idx="minor">
+            <a:schemeClr val="lt1"/>
+          </a:fontRef>
+        </p:style>
+        <p:txBody>
+          <a:bodyPr rtlCol="0" anchor="ctr"/>
+          <a:lstStyle/>
+          <a:p>
+            <a:pPr algn="ctr"/>
+            <a:r>
+              <a:rPr lang="en-US" altLang="ko-KR" b="1" dirty="0"/>
+              <a:t>Main MCU</a:t>
+            </a:r>
+            <a:endParaRPr lang="ko-KR" altLang="en-US" b="1" dirty="0"/>
           </a:p>
         </p:txBody>
       </p:sp>
@@ -5888,9 +5475,9 @@
           <p:nvPr/>
         </p:nvCxnSpPr>
         <p:spPr>
-          <a:xfrm flipH="1">
-            <a:off x="1678404" y="3427285"/>
-            <a:ext cx="4182981" cy="1715"/>
+          <a:xfrm>
+            <a:off x="6334626" y="3429000"/>
+            <a:ext cx="4183380" cy="0"/>
           </a:xfrm>
           <a:prstGeom prst="straightConnector1">
             <a:avLst/>
@@ -5932,9 +5519,9 @@
           <p:nvPr/>
         </p:nvCxnSpPr>
         <p:spPr>
-          <a:xfrm>
-            <a:off x="1256454" y="5111309"/>
-            <a:ext cx="4604931" cy="0"/>
+          <a:xfrm flipH="1">
+            <a:off x="6334626" y="5114741"/>
+            <a:ext cx="4183380" cy="0"/>
           </a:xfrm>
           <a:prstGeom prst="straightConnector1">
             <a:avLst/>
@@ -5963,10 +5550,166 @@
       </p:cxnSp>
       <p:sp>
         <p:nvSpPr>
-          <p:cNvPr id="13" name="직사각형 12">
-            <a:extLst>
-              <a:ext uri="{FF2B5EF4-FFF2-40B4-BE49-F238E27FC236}">
-                <a16:creationId xmlns:a16="http://schemas.microsoft.com/office/drawing/2014/main" id="{BB33C801-2F10-45AB-ACA1-FEDC503AA0B5}"/>
+          <p:cNvPr id="11" name="TextBox 10">
+            <a:extLst>
+              <a:ext uri="{FF2B5EF4-FFF2-40B4-BE49-F238E27FC236}">
+                <a16:creationId xmlns:a16="http://schemas.microsoft.com/office/drawing/2014/main" id="{5ACBC6F8-9EF3-3623-3856-F6DD70606F08}"/>
+              </a:ext>
+            </a:extLst>
+          </p:cNvPr>
+          <p:cNvSpPr txBox="1"/>
+          <p:nvPr/>
+        </p:nvSpPr>
+        <p:spPr>
+          <a:xfrm>
+            <a:off x="7618395" y="2904065"/>
+            <a:ext cx="1946709" cy="523220"/>
+          </a:xfrm>
+          <a:prstGeom prst="rect">
+            <a:avLst/>
+          </a:prstGeom>
+          <a:noFill/>
+        </p:spPr>
+        <p:txBody>
+          <a:bodyPr wrap="square" rtlCol="0">
+            <a:spAutoFit/>
+          </a:bodyPr>
+          <a:lstStyle/>
+          <a:p>
+            <a:r>
+              <a:rPr lang="en-US" altLang="ko-KR" sz="1400" dirty="0"/>
+              <a:t>Serial Tx</a:t>
+            </a:r>
+          </a:p>
+          <a:p>
+            <a:r>
+              <a:rPr lang="en-US" altLang="ko-KR" sz="1400" dirty="0"/>
+              <a:t>(Child location, </a:t>
+            </a:r>
+            <a:r>
+              <a:rPr lang="en-US" altLang="ko-KR" sz="1400" dirty="0" err="1"/>
+              <a:t>etc</a:t>
+            </a:r>
+            <a:r>
+              <a:rPr lang="en-US" altLang="ko-KR" sz="1400" dirty="0"/>
+              <a:t>… )</a:t>
+            </a:r>
+          </a:p>
+        </p:txBody>
+      </p:sp>
+      <p:sp>
+        <p:nvSpPr>
+          <p:cNvPr id="12" name="TextBox 11">
+            <a:extLst>
+              <a:ext uri="{FF2B5EF4-FFF2-40B4-BE49-F238E27FC236}">
+                <a16:creationId xmlns:a16="http://schemas.microsoft.com/office/drawing/2014/main" id="{2169F3AD-1739-FECD-713D-74467262B6A0}"/>
+              </a:ext>
+            </a:extLst>
+          </p:cNvPr>
+          <p:cNvSpPr txBox="1"/>
+          <p:nvPr/>
+        </p:nvSpPr>
+        <p:spPr>
+          <a:xfrm>
+            <a:off x="7618395" y="4589805"/>
+            <a:ext cx="2173306" cy="523220"/>
+          </a:xfrm>
+          <a:prstGeom prst="rect">
+            <a:avLst/>
+          </a:prstGeom>
+          <a:noFill/>
+        </p:spPr>
+        <p:txBody>
+          <a:bodyPr wrap="square" rtlCol="0">
+            <a:spAutoFit/>
+          </a:bodyPr>
+          <a:lstStyle/>
+          <a:p>
+            <a:r>
+              <a:rPr lang="en-US" altLang="ko-KR" sz="1400" dirty="0"/>
+              <a:t>Serial Rx</a:t>
+            </a:r>
+          </a:p>
+          <a:p>
+            <a:r>
+              <a:rPr lang="en-US" altLang="ko-KR" sz="1400" dirty="0"/>
+              <a:t>(Warning Clear Signal,)</a:t>
+            </a:r>
+          </a:p>
+        </p:txBody>
+      </p:sp>
+    </p:spTree>
+    <p:extLst>
+      <p:ext uri="{BB962C8B-B14F-4D97-AF65-F5344CB8AC3E}">
+        <p14:creationId xmlns:p14="http://schemas.microsoft.com/office/powerpoint/2010/main" val="1368460774"/>
+      </p:ext>
+    </p:extLst>
+  </p:cSld>
+  <p:clrMapOvr>
+    <a:masterClrMapping/>
+  </p:clrMapOvr>
+</p:sld>
+</file>
+
+<file path=ppt/slides/slide5.xml><?xml version="1.0" encoding="utf-8"?>
+<p:sld xmlns:a="http://schemas.openxmlformats.org/drawingml/2006/main" xmlns:r="http://schemas.openxmlformats.org/officeDocument/2006/relationships" xmlns:p="http://schemas.openxmlformats.org/presentationml/2006/main">
+  <p:cSld>
+    <p:spTree>
+      <p:nvGrpSpPr>
+        <p:cNvPr id="1" name=""/>
+        <p:cNvGrpSpPr/>
+        <p:nvPr/>
+      </p:nvGrpSpPr>
+      <p:grpSpPr>
+        <a:xfrm>
+          <a:off x="0" y="0"/>
+          <a:ext cx="0" cy="0"/>
+          <a:chOff x="0" y="0"/>
+          <a:chExt cx="0" cy="0"/>
+        </a:xfrm>
+      </p:grpSpPr>
+      <p:sp>
+        <p:nvSpPr>
+          <p:cNvPr id="2" name="제목 1">
+            <a:extLst>
+              <a:ext uri="{FF2B5EF4-FFF2-40B4-BE49-F238E27FC236}">
+                <a16:creationId xmlns:a16="http://schemas.microsoft.com/office/drawing/2014/main" id="{D2F4B487-129E-42A5-39DA-F4FA017F0BD2}"/>
+              </a:ext>
+            </a:extLst>
+          </p:cNvPr>
+          <p:cNvSpPr>
+            <a:spLocks noGrp="1"/>
+          </p:cNvSpPr>
+          <p:nvPr>
+            <p:ph type="title"/>
+          </p:nvPr>
+        </p:nvSpPr>
+        <p:spPr>
+          <a:xfrm>
+            <a:off x="838200" y="365126"/>
+            <a:ext cx="10515600" cy="668028"/>
+          </a:xfrm>
+        </p:spPr>
+        <p:txBody>
+          <a:bodyPr>
+            <a:normAutofit fontScale="90000"/>
+          </a:bodyPr>
+          <a:lstStyle/>
+          <a:p>
+            <a:r>
+              <a:rPr lang="en-US" altLang="ko-KR" dirty="0"/>
+              <a:t>Module Teacher Configuration</a:t>
+            </a:r>
+            <a:endParaRPr lang="ko-KR" altLang="en-US" dirty="0"/>
+          </a:p>
+        </p:txBody>
+      </p:sp>
+      <p:sp>
+        <p:nvSpPr>
+          <p:cNvPr id="4" name="직사각형 3">
+            <a:extLst>
+              <a:ext uri="{FF2B5EF4-FFF2-40B4-BE49-F238E27FC236}">
+                <a16:creationId xmlns:a16="http://schemas.microsoft.com/office/drawing/2014/main" id="{E9348E8F-B488-C474-7FEA-1830C5F3EE6A}"/>
               </a:ext>
             </a:extLst>
           </p:cNvPr>
@@ -5975,8 +5718,212 @@
         </p:nvSpPr>
         <p:spPr>
           <a:xfrm>
-            <a:off x="291564" y="1558089"/>
-            <a:ext cx="1386840" cy="4934784"/>
+            <a:off x="5861385" y="1558089"/>
+            <a:ext cx="5947611" cy="4934784"/>
+          </a:xfrm>
+          <a:prstGeom prst="rect">
+            <a:avLst/>
+          </a:prstGeom>
+          <a:noFill/>
+          <a:ln w="57150"/>
+        </p:spPr>
+        <p:style>
+          <a:lnRef idx="2">
+            <a:schemeClr val="accent1">
+              <a:shade val="50000"/>
+            </a:schemeClr>
+          </a:lnRef>
+          <a:fillRef idx="1">
+            <a:schemeClr val="accent1"/>
+          </a:fillRef>
+          <a:effectRef idx="0">
+            <a:schemeClr val="accent1"/>
+          </a:effectRef>
+          <a:fontRef idx="minor">
+            <a:schemeClr val="lt1"/>
+          </a:fontRef>
+        </p:style>
+        <p:txBody>
+          <a:bodyPr rtlCol="0" anchor="ctr"/>
+          <a:lstStyle/>
+          <a:p>
+            <a:pPr algn="ctr"/>
+            <a:endParaRPr lang="ko-KR" altLang="en-US" dirty="0"/>
+          </a:p>
+        </p:txBody>
+      </p:sp>
+      <p:sp>
+        <p:nvSpPr>
+          <p:cNvPr id="20" name="TextBox 19">
+            <a:extLst>
+              <a:ext uri="{FF2B5EF4-FFF2-40B4-BE49-F238E27FC236}">
+                <a16:creationId xmlns:a16="http://schemas.microsoft.com/office/drawing/2014/main" id="{F3AFAC23-2FE6-6361-D04E-539BA3715D99}"/>
+              </a:ext>
+            </a:extLst>
+          </p:cNvPr>
+          <p:cNvSpPr txBox="1"/>
+          <p:nvPr/>
+        </p:nvSpPr>
+        <p:spPr>
+          <a:xfrm>
+            <a:off x="7914774" y="1359568"/>
+            <a:ext cx="1840831" cy="369332"/>
+          </a:xfrm>
+          <a:prstGeom prst="rect">
+            <a:avLst/>
+          </a:prstGeom>
+          <a:solidFill>
+            <a:schemeClr val="bg1"/>
+          </a:solidFill>
+          <a:ln>
+            <a:solidFill>
+              <a:schemeClr val="tx1"/>
+            </a:solidFill>
+          </a:ln>
+        </p:spPr>
+        <p:txBody>
+          <a:bodyPr wrap="square" rtlCol="0">
+            <a:spAutoFit/>
+          </a:bodyPr>
+          <a:lstStyle/>
+          <a:p>
+            <a:pPr algn="ctr"/>
+            <a:r>
+              <a:rPr lang="en-US" altLang="ko-KR" dirty="0"/>
+              <a:t>Module</a:t>
+            </a:r>
+            <a:endParaRPr lang="ko-KR" altLang="en-US" dirty="0"/>
+          </a:p>
+        </p:txBody>
+      </p:sp>
+      <p:sp>
+        <p:nvSpPr>
+          <p:cNvPr id="22" name="직사각형 21">
+            <a:extLst>
+              <a:ext uri="{FF2B5EF4-FFF2-40B4-BE49-F238E27FC236}">
+                <a16:creationId xmlns:a16="http://schemas.microsoft.com/office/drawing/2014/main" id="{A4E404DC-9FCF-6A56-1988-DF54C03166B1}"/>
+              </a:ext>
+            </a:extLst>
+          </p:cNvPr>
+          <p:cNvSpPr/>
+          <p:nvPr/>
+        </p:nvSpPr>
+        <p:spPr>
+          <a:xfrm>
+            <a:off x="6117687" y="1977104"/>
+            <a:ext cx="2159668" cy="4165017"/>
+          </a:xfrm>
+          <a:prstGeom prst="rect">
+            <a:avLst/>
+          </a:prstGeom>
+        </p:spPr>
+        <p:style>
+          <a:lnRef idx="2">
+            <a:schemeClr val="accent6">
+              <a:shade val="50000"/>
+            </a:schemeClr>
+          </a:lnRef>
+          <a:fillRef idx="1">
+            <a:schemeClr val="accent6"/>
+          </a:fillRef>
+          <a:effectRef idx="0">
+            <a:schemeClr val="accent6"/>
+          </a:effectRef>
+          <a:fontRef idx="minor">
+            <a:schemeClr val="lt1"/>
+          </a:fontRef>
+        </p:style>
+        <p:txBody>
+          <a:bodyPr rtlCol="0" anchor="ctr"/>
+          <a:lstStyle/>
+          <a:p>
+            <a:pPr algn="ctr"/>
+            <a:r>
+              <a:rPr lang="en-US" altLang="ko-KR" dirty="0"/>
+              <a:t>MCU</a:t>
+            </a:r>
+          </a:p>
+          <a:p>
+            <a:pPr algn="ctr"/>
+            <a:r>
+              <a:rPr lang="en-US" altLang="ko-KR" dirty="0"/>
+              <a:t>(Arduino Micro)</a:t>
+            </a:r>
+            <a:endParaRPr lang="ko-KR" altLang="en-US" dirty="0"/>
+          </a:p>
+        </p:txBody>
+      </p:sp>
+      <p:sp>
+        <p:nvSpPr>
+          <p:cNvPr id="23" name="직사각형 22">
+            <a:extLst>
+              <a:ext uri="{FF2B5EF4-FFF2-40B4-BE49-F238E27FC236}">
+                <a16:creationId xmlns:a16="http://schemas.microsoft.com/office/drawing/2014/main" id="{C1CD28F4-F978-74BF-F646-744263781AF0}"/>
+              </a:ext>
+            </a:extLst>
+          </p:cNvPr>
+          <p:cNvSpPr/>
+          <p:nvPr/>
+        </p:nvSpPr>
+        <p:spPr>
+          <a:xfrm>
+            <a:off x="9363578" y="4000500"/>
+            <a:ext cx="2069431" cy="926432"/>
+          </a:xfrm>
+          <a:prstGeom prst="rect">
+            <a:avLst/>
+          </a:prstGeom>
+          <a:solidFill>
+            <a:schemeClr val="bg2">
+              <a:lumMod val="75000"/>
+            </a:schemeClr>
+          </a:solidFill>
+        </p:spPr>
+        <p:style>
+          <a:lnRef idx="2">
+            <a:schemeClr val="accent1">
+              <a:shade val="50000"/>
+            </a:schemeClr>
+          </a:lnRef>
+          <a:fillRef idx="1">
+            <a:schemeClr val="accent1"/>
+          </a:fillRef>
+          <a:effectRef idx="0">
+            <a:schemeClr val="accent1"/>
+          </a:effectRef>
+          <a:fontRef idx="minor">
+            <a:schemeClr val="lt1"/>
+          </a:fontRef>
+        </p:style>
+        <p:txBody>
+          <a:bodyPr rtlCol="0" anchor="ctr"/>
+          <a:lstStyle/>
+          <a:p>
+            <a:pPr algn="ctr"/>
+            <a:r>
+              <a:rPr lang="en-US" altLang="ko-KR" dirty="0"/>
+              <a:t>Buzzer module</a:t>
+            </a:r>
+            <a:endParaRPr lang="ko-KR" altLang="en-US" dirty="0"/>
+          </a:p>
+        </p:txBody>
+      </p:sp>
+      <p:sp>
+        <p:nvSpPr>
+          <p:cNvPr id="25" name="직사각형 24">
+            <a:extLst>
+              <a:ext uri="{FF2B5EF4-FFF2-40B4-BE49-F238E27FC236}">
+                <a16:creationId xmlns:a16="http://schemas.microsoft.com/office/drawing/2014/main" id="{AC5706D6-B496-1761-88E6-15B7F3533655}"/>
+              </a:ext>
+            </a:extLst>
+          </p:cNvPr>
+          <p:cNvSpPr/>
+          <p:nvPr/>
+        </p:nvSpPr>
+        <p:spPr>
+          <a:xfrm>
+            <a:off x="9363578" y="5215689"/>
+            <a:ext cx="2069431" cy="926432"/>
           </a:xfrm>
           <a:prstGeom prst="rect">
             <a:avLst/>
@@ -6010,19 +5957,106 @@
           <a:p>
             <a:pPr algn="ctr"/>
             <a:r>
-              <a:rPr lang="en-US" altLang="ko-KR" b="1" dirty="0"/>
-              <a:t>Main MCU</a:t>
-            </a:r>
-            <a:endParaRPr lang="ko-KR" altLang="en-US" b="1" dirty="0"/>
-          </a:p>
-        </p:txBody>
-      </p:sp>
-      <p:sp>
-        <p:nvSpPr>
-          <p:cNvPr id="28" name="TextBox 27">
-            <a:extLst>
-              <a:ext uri="{FF2B5EF4-FFF2-40B4-BE49-F238E27FC236}">
-                <a16:creationId xmlns:a16="http://schemas.microsoft.com/office/drawing/2014/main" id="{9404CFF3-C4EE-6074-6AF7-89777496C86F}"/>
+              <a:rPr lang="en-US" altLang="ko-KR" dirty="0"/>
+              <a:t>LED</a:t>
+            </a:r>
+          </a:p>
+        </p:txBody>
+      </p:sp>
+      <p:cxnSp>
+        <p:nvCxnSpPr>
+          <p:cNvPr id="27" name="직선 화살표 연결선 26">
+            <a:extLst>
+              <a:ext uri="{FF2B5EF4-FFF2-40B4-BE49-F238E27FC236}">
+                <a16:creationId xmlns:a16="http://schemas.microsoft.com/office/drawing/2014/main" id="{B4C21A76-23AB-0421-9E14-B9011AB05D06}"/>
+              </a:ext>
+            </a:extLst>
+          </p:cNvPr>
+          <p:cNvCxnSpPr>
+            <a:cxnSpLocks/>
+          </p:cNvCxnSpPr>
+          <p:nvPr/>
+        </p:nvCxnSpPr>
+        <p:spPr>
+          <a:xfrm rot="10800000" flipH="1">
+            <a:off x="8277355" y="5678905"/>
+            <a:ext cx="1124953" cy="0"/>
+          </a:xfrm>
+          <a:prstGeom prst="straightConnector1">
+            <a:avLst/>
+          </a:prstGeom>
+          <a:ln w="25400">
+            <a:solidFill>
+              <a:schemeClr val="tx1"/>
+            </a:solidFill>
+            <a:tailEnd type="triangle"/>
+          </a:ln>
+        </p:spPr>
+        <p:style>
+          <a:lnRef idx="1">
+            <a:schemeClr val="accent1"/>
+          </a:lnRef>
+          <a:fillRef idx="0">
+            <a:schemeClr val="accent1"/>
+          </a:fillRef>
+          <a:effectRef idx="0">
+            <a:schemeClr val="accent1"/>
+          </a:effectRef>
+          <a:fontRef idx="minor">
+            <a:schemeClr val="tx1"/>
+          </a:fontRef>
+        </p:style>
+      </p:cxnSp>
+      <p:cxnSp>
+        <p:nvCxnSpPr>
+          <p:cNvPr id="30" name="직선 화살표 연결선 29">
+            <a:extLst>
+              <a:ext uri="{FF2B5EF4-FFF2-40B4-BE49-F238E27FC236}">
+                <a16:creationId xmlns:a16="http://schemas.microsoft.com/office/drawing/2014/main" id="{B4CBBD84-60A8-8EF2-A32A-23894DF95630}"/>
+              </a:ext>
+            </a:extLst>
+          </p:cNvPr>
+          <p:cNvCxnSpPr>
+            <a:cxnSpLocks/>
+          </p:cNvCxnSpPr>
+          <p:nvPr/>
+        </p:nvCxnSpPr>
+        <p:spPr>
+          <a:xfrm rot="10800000" flipH="1">
+            <a:off x="8257990" y="4463716"/>
+            <a:ext cx="1124953" cy="0"/>
+          </a:xfrm>
+          <a:prstGeom prst="straightConnector1">
+            <a:avLst/>
+          </a:prstGeom>
+          <a:ln w="25400">
+            <a:solidFill>
+              <a:schemeClr val="tx1"/>
+            </a:solidFill>
+            <a:tailEnd type="triangle"/>
+          </a:ln>
+        </p:spPr>
+        <p:style>
+          <a:lnRef idx="1">
+            <a:schemeClr val="accent1"/>
+          </a:lnRef>
+          <a:fillRef idx="0">
+            <a:schemeClr val="accent1"/>
+          </a:fillRef>
+          <a:effectRef idx="0">
+            <a:schemeClr val="accent1"/>
+          </a:effectRef>
+          <a:fontRef idx="minor">
+            <a:schemeClr val="tx1"/>
+          </a:fontRef>
+        </p:style>
+      </p:cxnSp>
+      <p:sp>
+        <p:nvSpPr>
+          <p:cNvPr id="37" name="TextBox 36">
+            <a:extLst>
+              <a:ext uri="{FF2B5EF4-FFF2-40B4-BE49-F238E27FC236}">
+                <a16:creationId xmlns:a16="http://schemas.microsoft.com/office/drawing/2014/main" id="{20CE582E-326E-7CBD-69EA-E4C25B96AB5E}"/>
               </a:ext>
             </a:extLst>
           </p:cNvPr>
@@ -6031,8 +6065,8 @@
         </p:nvSpPr>
         <p:spPr>
           <a:xfrm>
-            <a:off x="2694973" y="2904065"/>
-            <a:ext cx="1946709" cy="523220"/>
+            <a:off x="8359040" y="3940496"/>
+            <a:ext cx="793886" cy="523220"/>
           </a:xfrm>
           <a:prstGeom prst="rect">
             <a:avLst/>
@@ -6047,23 +6081,18 @@
           <a:p>
             <a:r>
               <a:rPr lang="en-US" altLang="ko-KR" sz="1400" dirty="0"/>
-              <a:t>Serial Tx</a:t>
-            </a:r>
-          </a:p>
-          <a:p>
-            <a:r>
-              <a:rPr lang="en-US" altLang="ko-KR" sz="1400" dirty="0"/>
-              <a:t>(Warning Clear Signal)</a:t>
-            </a:r>
-          </a:p>
-        </p:txBody>
-      </p:sp>
-      <p:sp>
-        <p:nvSpPr>
-          <p:cNvPr id="29" name="TextBox 28">
-            <a:extLst>
-              <a:ext uri="{FF2B5EF4-FFF2-40B4-BE49-F238E27FC236}">
-                <a16:creationId xmlns:a16="http://schemas.microsoft.com/office/drawing/2014/main" id="{CACD2D07-91C5-C791-A123-1C26BD9BBAE9}"/>
+              <a:t>GPIO Output</a:t>
+            </a:r>
+            <a:endParaRPr lang="ko-KR" altLang="en-US" sz="1400" dirty="0"/>
+          </a:p>
+        </p:txBody>
+      </p:sp>
+      <p:sp>
+        <p:nvSpPr>
+          <p:cNvPr id="38" name="TextBox 37">
+            <a:extLst>
+              <a:ext uri="{FF2B5EF4-FFF2-40B4-BE49-F238E27FC236}">
+                <a16:creationId xmlns:a16="http://schemas.microsoft.com/office/drawing/2014/main" id="{F7F70770-59F1-4A60-D7A0-5AFEDF09B7D2}"/>
               </a:ext>
             </a:extLst>
           </p:cNvPr>
@@ -6072,8 +6101,8 @@
         </p:nvSpPr>
         <p:spPr>
           <a:xfrm>
-            <a:off x="2683241" y="4584659"/>
-            <a:ext cx="2173306" cy="523220"/>
+            <a:off x="8359040" y="5114741"/>
+            <a:ext cx="793886" cy="523220"/>
           </a:xfrm>
           <a:prstGeom prst="rect">
             <a:avLst/>
@@ -6088,6 +6117,227 @@
           <a:p>
             <a:r>
               <a:rPr lang="en-US" altLang="ko-KR" sz="1400" dirty="0"/>
+              <a:t>GPIO Output</a:t>
+            </a:r>
+            <a:endParaRPr lang="ko-KR" altLang="en-US" sz="1400" dirty="0"/>
+          </a:p>
+        </p:txBody>
+      </p:sp>
+      <p:cxnSp>
+        <p:nvCxnSpPr>
+          <p:cNvPr id="5" name="직선 화살표 연결선 4">
+            <a:extLst>
+              <a:ext uri="{FF2B5EF4-FFF2-40B4-BE49-F238E27FC236}">
+                <a16:creationId xmlns:a16="http://schemas.microsoft.com/office/drawing/2014/main" id="{CA78A12E-CA8C-1E59-C0ED-51A953234E71}"/>
+              </a:ext>
+            </a:extLst>
+          </p:cNvPr>
+          <p:cNvCxnSpPr>
+            <a:cxnSpLocks/>
+          </p:cNvCxnSpPr>
+          <p:nvPr/>
+        </p:nvCxnSpPr>
+        <p:spPr>
+          <a:xfrm flipH="1">
+            <a:off x="1678404" y="3427285"/>
+            <a:ext cx="4182981" cy="1715"/>
+          </a:xfrm>
+          <a:prstGeom prst="straightConnector1">
+            <a:avLst/>
+          </a:prstGeom>
+          <a:ln w="50800">
+            <a:solidFill>
+              <a:schemeClr val="tx1"/>
+            </a:solidFill>
+            <a:tailEnd type="triangle"/>
+          </a:ln>
+        </p:spPr>
+        <p:style>
+          <a:lnRef idx="1">
+            <a:schemeClr val="accent1"/>
+          </a:lnRef>
+          <a:fillRef idx="0">
+            <a:schemeClr val="accent1"/>
+          </a:fillRef>
+          <a:effectRef idx="0">
+            <a:schemeClr val="accent1"/>
+          </a:effectRef>
+          <a:fontRef idx="minor">
+            <a:schemeClr val="tx1"/>
+          </a:fontRef>
+        </p:style>
+      </p:cxnSp>
+      <p:cxnSp>
+        <p:nvCxnSpPr>
+          <p:cNvPr id="10" name="직선 화살표 연결선 9">
+            <a:extLst>
+              <a:ext uri="{FF2B5EF4-FFF2-40B4-BE49-F238E27FC236}">
+                <a16:creationId xmlns:a16="http://schemas.microsoft.com/office/drawing/2014/main" id="{FDBF383E-2A8F-CC78-A68F-B2EDEA63ACA2}"/>
+              </a:ext>
+            </a:extLst>
+          </p:cNvPr>
+          <p:cNvCxnSpPr>
+            <a:cxnSpLocks/>
+          </p:cNvCxnSpPr>
+          <p:nvPr/>
+        </p:nvCxnSpPr>
+        <p:spPr>
+          <a:xfrm>
+            <a:off x="1256454" y="5111309"/>
+            <a:ext cx="4604931" cy="0"/>
+          </a:xfrm>
+          <a:prstGeom prst="straightConnector1">
+            <a:avLst/>
+          </a:prstGeom>
+          <a:ln w="50800">
+            <a:solidFill>
+              <a:schemeClr val="tx1"/>
+            </a:solidFill>
+            <a:tailEnd type="triangle"/>
+          </a:ln>
+        </p:spPr>
+        <p:style>
+          <a:lnRef idx="1">
+            <a:schemeClr val="accent1"/>
+          </a:lnRef>
+          <a:fillRef idx="0">
+            <a:schemeClr val="accent1"/>
+          </a:fillRef>
+          <a:effectRef idx="0">
+            <a:schemeClr val="accent1"/>
+          </a:effectRef>
+          <a:fontRef idx="minor">
+            <a:schemeClr val="tx1"/>
+          </a:fontRef>
+        </p:style>
+      </p:cxnSp>
+      <p:sp>
+        <p:nvSpPr>
+          <p:cNvPr id="13" name="직사각형 12">
+            <a:extLst>
+              <a:ext uri="{FF2B5EF4-FFF2-40B4-BE49-F238E27FC236}">
+                <a16:creationId xmlns:a16="http://schemas.microsoft.com/office/drawing/2014/main" id="{BB33C801-2F10-45AB-ACA1-FEDC503AA0B5}"/>
+              </a:ext>
+            </a:extLst>
+          </p:cNvPr>
+          <p:cNvSpPr/>
+          <p:nvPr/>
+        </p:nvSpPr>
+        <p:spPr>
+          <a:xfrm>
+            <a:off x="291564" y="1558089"/>
+            <a:ext cx="1386840" cy="4934784"/>
+          </a:xfrm>
+          <a:prstGeom prst="rect">
+            <a:avLst/>
+          </a:prstGeom>
+          <a:solidFill>
+            <a:schemeClr val="accent2">
+              <a:lumMod val="60000"/>
+              <a:lumOff val="40000"/>
+            </a:schemeClr>
+          </a:solidFill>
+        </p:spPr>
+        <p:style>
+          <a:lnRef idx="2">
+            <a:schemeClr val="accent1">
+              <a:shade val="50000"/>
+            </a:schemeClr>
+          </a:lnRef>
+          <a:fillRef idx="1">
+            <a:schemeClr val="accent1"/>
+          </a:fillRef>
+          <a:effectRef idx="0">
+            <a:schemeClr val="accent1"/>
+          </a:effectRef>
+          <a:fontRef idx="minor">
+            <a:schemeClr val="lt1"/>
+          </a:fontRef>
+        </p:style>
+        <p:txBody>
+          <a:bodyPr rtlCol="0" anchor="ctr"/>
+          <a:lstStyle/>
+          <a:p>
+            <a:pPr algn="ctr"/>
+            <a:r>
+              <a:rPr lang="en-US" altLang="ko-KR" b="1" dirty="0"/>
+              <a:t>Main MCU</a:t>
+            </a:r>
+            <a:endParaRPr lang="ko-KR" altLang="en-US" b="1" dirty="0"/>
+          </a:p>
+        </p:txBody>
+      </p:sp>
+      <p:sp>
+        <p:nvSpPr>
+          <p:cNvPr id="28" name="TextBox 27">
+            <a:extLst>
+              <a:ext uri="{FF2B5EF4-FFF2-40B4-BE49-F238E27FC236}">
+                <a16:creationId xmlns:a16="http://schemas.microsoft.com/office/drawing/2014/main" id="{9404CFF3-C4EE-6074-6AF7-89777496C86F}"/>
+              </a:ext>
+            </a:extLst>
+          </p:cNvPr>
+          <p:cNvSpPr txBox="1"/>
+          <p:nvPr/>
+        </p:nvSpPr>
+        <p:spPr>
+          <a:xfrm>
+            <a:off x="2694973" y="2904065"/>
+            <a:ext cx="1946709" cy="523220"/>
+          </a:xfrm>
+          <a:prstGeom prst="rect">
+            <a:avLst/>
+          </a:prstGeom>
+          <a:noFill/>
+        </p:spPr>
+        <p:txBody>
+          <a:bodyPr wrap="square" rtlCol="0">
+            <a:spAutoFit/>
+          </a:bodyPr>
+          <a:lstStyle/>
+          <a:p>
+            <a:r>
+              <a:rPr lang="en-US" altLang="ko-KR" sz="1400" dirty="0"/>
+              <a:t>Serial Tx</a:t>
+            </a:r>
+          </a:p>
+          <a:p>
+            <a:r>
+              <a:rPr lang="en-US" altLang="ko-KR" sz="1400" dirty="0"/>
+              <a:t>(Warning Clear Signal)</a:t>
+            </a:r>
+          </a:p>
+        </p:txBody>
+      </p:sp>
+      <p:sp>
+        <p:nvSpPr>
+          <p:cNvPr id="29" name="TextBox 28">
+            <a:extLst>
+              <a:ext uri="{FF2B5EF4-FFF2-40B4-BE49-F238E27FC236}">
+                <a16:creationId xmlns:a16="http://schemas.microsoft.com/office/drawing/2014/main" id="{CACD2D07-91C5-C791-A123-1C26BD9BBAE9}"/>
+              </a:ext>
+            </a:extLst>
+          </p:cNvPr>
+          <p:cNvSpPr txBox="1"/>
+          <p:nvPr/>
+        </p:nvSpPr>
+        <p:spPr>
+          <a:xfrm>
+            <a:off x="2683241" y="4584659"/>
+            <a:ext cx="2173306" cy="523220"/>
+          </a:xfrm>
+          <a:prstGeom prst="rect">
+            <a:avLst/>
+          </a:prstGeom>
+          <a:noFill/>
+        </p:spPr>
+        <p:txBody>
+          <a:bodyPr wrap="square" rtlCol="0">
+            <a:spAutoFit/>
+          </a:bodyPr>
+          <a:lstStyle/>
+          <a:p>
+            <a:r>
+              <a:rPr lang="en-US" altLang="ko-KR" sz="1400" dirty="0"/>
               <a:t>Serial Rx</a:t>
             </a:r>
           </a:p>
@@ -6107,6 +6357,261 @@
     <p:extLst>
       <p:ext uri="{BB962C8B-B14F-4D97-AF65-F5344CB8AC3E}">
         <p14:creationId xmlns:p14="http://schemas.microsoft.com/office/powerpoint/2010/main" val="890831062"/>
+      </p:ext>
+    </p:extLst>
+  </p:cSld>
+  <p:clrMapOvr>
+    <a:masterClrMapping/>
+  </p:clrMapOvr>
+</p:sld>
+</file>
+
+<file path=ppt/slides/slide6.xml><?xml version="1.0" encoding="utf-8"?>
+<p:sld xmlns:a="http://schemas.openxmlformats.org/drawingml/2006/main" xmlns:r="http://schemas.openxmlformats.org/officeDocument/2006/relationships" xmlns:p="http://schemas.openxmlformats.org/presentationml/2006/main">
+  <p:cSld>
+    <p:spTree>
+      <p:nvGrpSpPr>
+        <p:cNvPr id="1" name=""/>
+        <p:cNvGrpSpPr/>
+        <p:nvPr/>
+      </p:nvGrpSpPr>
+      <p:grpSpPr>
+        <a:xfrm>
+          <a:off x="0" y="0"/>
+          <a:ext cx="0" cy="0"/>
+          <a:chOff x="0" y="0"/>
+          <a:chExt cx="0" cy="0"/>
+        </a:xfrm>
+      </p:grpSpPr>
+      <p:sp>
+        <p:nvSpPr>
+          <p:cNvPr id="2" name="제목 1">
+            <a:extLst>
+              <a:ext uri="{FF2B5EF4-FFF2-40B4-BE49-F238E27FC236}">
+                <a16:creationId xmlns:a16="http://schemas.microsoft.com/office/drawing/2014/main" id="{D5F788B8-E6B7-85F5-B92A-F537559C3882}"/>
+              </a:ext>
+            </a:extLst>
+          </p:cNvPr>
+          <p:cNvSpPr>
+            <a:spLocks noGrp="1"/>
+          </p:cNvSpPr>
+          <p:nvPr>
+            <p:ph type="title"/>
+          </p:nvPr>
+        </p:nvSpPr>
+        <p:spPr/>
+        <p:txBody>
+          <a:bodyPr/>
+          <a:lstStyle/>
+          <a:p>
+            <a:r>
+              <a:rPr lang="en-US" altLang="ko-KR" dirty="0"/>
+              <a:t>Testing</a:t>
+            </a:r>
+            <a:r>
+              <a:rPr lang="ko-KR" altLang="en-US" dirty="0"/>
+              <a:t> </a:t>
+            </a:r>
+          </a:p>
+        </p:txBody>
+      </p:sp>
+      <p:sp>
+        <p:nvSpPr>
+          <p:cNvPr id="3" name="내용 개체 틀 2">
+            <a:extLst>
+              <a:ext uri="{FF2B5EF4-FFF2-40B4-BE49-F238E27FC236}">
+                <a16:creationId xmlns:a16="http://schemas.microsoft.com/office/drawing/2014/main" id="{0BC770B4-38AC-4699-9913-B7F8D03682A8}"/>
+              </a:ext>
+            </a:extLst>
+          </p:cNvPr>
+          <p:cNvSpPr>
+            <a:spLocks noGrp="1"/>
+          </p:cNvSpPr>
+          <p:nvPr>
+            <p:ph idx="1"/>
+          </p:nvPr>
+        </p:nvSpPr>
+        <p:spPr/>
+        <p:txBody>
+          <a:bodyPr/>
+          <a:lstStyle/>
+          <a:p>
+            <a:endParaRPr lang="ko-KR" altLang="en-US"/>
+          </a:p>
+        </p:txBody>
+      </p:sp>
+    </p:spTree>
+    <p:extLst>
+      <p:ext uri="{BB962C8B-B14F-4D97-AF65-F5344CB8AC3E}">
+        <p14:creationId xmlns:p14="http://schemas.microsoft.com/office/powerpoint/2010/main" val="2558185272"/>
+      </p:ext>
+    </p:extLst>
+  </p:cSld>
+  <p:clrMapOvr>
+    <a:masterClrMapping/>
+  </p:clrMapOvr>
+</p:sld>
+</file>
+
+<file path=ppt/slides/slide7.xml><?xml version="1.0" encoding="utf-8"?>
+<p:sld xmlns:a="http://schemas.openxmlformats.org/drawingml/2006/main" xmlns:r="http://schemas.openxmlformats.org/officeDocument/2006/relationships" xmlns:p="http://schemas.openxmlformats.org/presentationml/2006/main">
+  <p:cSld>
+    <p:spTree>
+      <p:nvGrpSpPr>
+        <p:cNvPr id="1" name=""/>
+        <p:cNvGrpSpPr/>
+        <p:nvPr/>
+      </p:nvGrpSpPr>
+      <p:grpSpPr>
+        <a:xfrm>
+          <a:off x="0" y="0"/>
+          <a:ext cx="0" cy="0"/>
+          <a:chOff x="0" y="0"/>
+          <a:chExt cx="0" cy="0"/>
+        </a:xfrm>
+      </p:grpSpPr>
+      <p:sp>
+        <p:nvSpPr>
+          <p:cNvPr id="2" name="제목 1">
+            <a:extLst>
+              <a:ext uri="{FF2B5EF4-FFF2-40B4-BE49-F238E27FC236}">
+                <a16:creationId xmlns:a16="http://schemas.microsoft.com/office/drawing/2014/main" id="{F7790CC7-AAA4-63E2-18F7-0643913848C3}"/>
+              </a:ext>
+            </a:extLst>
+          </p:cNvPr>
+          <p:cNvSpPr>
+            <a:spLocks noGrp="1"/>
+          </p:cNvSpPr>
+          <p:nvPr>
+            <p:ph type="title"/>
+          </p:nvPr>
+        </p:nvSpPr>
+        <p:spPr/>
+        <p:txBody>
+          <a:bodyPr/>
+          <a:lstStyle/>
+          <a:p>
+            <a:r>
+              <a:rPr lang="en-US" altLang="ko-KR" dirty="0"/>
+              <a:t>Personal Feedback</a:t>
+            </a:r>
+            <a:endParaRPr lang="ko-KR" altLang="en-US" dirty="0"/>
+          </a:p>
+        </p:txBody>
+      </p:sp>
+      <p:sp>
+        <p:nvSpPr>
+          <p:cNvPr id="3" name="내용 개체 틀 2">
+            <a:extLst>
+              <a:ext uri="{FF2B5EF4-FFF2-40B4-BE49-F238E27FC236}">
+                <a16:creationId xmlns:a16="http://schemas.microsoft.com/office/drawing/2014/main" id="{F55D8996-3957-C936-A6A7-4F269CB14CEE}"/>
+              </a:ext>
+            </a:extLst>
+          </p:cNvPr>
+          <p:cNvSpPr>
+            <a:spLocks noGrp="1"/>
+          </p:cNvSpPr>
+          <p:nvPr>
+            <p:ph idx="1"/>
+          </p:nvPr>
+        </p:nvSpPr>
+        <p:spPr/>
+        <p:txBody>
+          <a:bodyPr/>
+          <a:lstStyle/>
+          <a:p>
+            <a:endParaRPr lang="ko-KR" altLang="en-US"/>
+          </a:p>
+        </p:txBody>
+      </p:sp>
+    </p:spTree>
+    <p:extLst>
+      <p:ext uri="{BB962C8B-B14F-4D97-AF65-F5344CB8AC3E}">
+        <p14:creationId xmlns:p14="http://schemas.microsoft.com/office/powerpoint/2010/main" val="2511231996"/>
+      </p:ext>
+    </p:extLst>
+  </p:cSld>
+  <p:clrMapOvr>
+    <a:masterClrMapping/>
+  </p:clrMapOvr>
+</p:sld>
+</file>
+
+<file path=ppt/slides/slide8.xml><?xml version="1.0" encoding="utf-8"?>
+<p:sld xmlns:a="http://schemas.openxmlformats.org/drawingml/2006/main" xmlns:r="http://schemas.openxmlformats.org/officeDocument/2006/relationships" xmlns:p="http://schemas.openxmlformats.org/presentationml/2006/main">
+  <p:cSld>
+    <p:spTree>
+      <p:nvGrpSpPr>
+        <p:cNvPr id="1" name=""/>
+        <p:cNvGrpSpPr/>
+        <p:nvPr/>
+      </p:nvGrpSpPr>
+      <p:grpSpPr>
+        <a:xfrm>
+          <a:off x="0" y="0"/>
+          <a:ext cx="0" cy="0"/>
+          <a:chOff x="0" y="0"/>
+          <a:chExt cx="0" cy="0"/>
+        </a:xfrm>
+      </p:grpSpPr>
+      <p:sp>
+        <p:nvSpPr>
+          <p:cNvPr id="2" name="제목 1">
+            <a:extLst>
+              <a:ext uri="{FF2B5EF4-FFF2-40B4-BE49-F238E27FC236}">
+                <a16:creationId xmlns:a16="http://schemas.microsoft.com/office/drawing/2014/main" id="{FEB91F66-F797-ED8C-E2A8-34418C068FC2}"/>
+              </a:ext>
+            </a:extLst>
+          </p:cNvPr>
+          <p:cNvSpPr>
+            <a:spLocks noGrp="1"/>
+          </p:cNvSpPr>
+          <p:nvPr>
+            <p:ph type="ctrTitle"/>
+          </p:nvPr>
+        </p:nvSpPr>
+        <p:spPr/>
+        <p:txBody>
+          <a:bodyPr/>
+          <a:lstStyle/>
+          <a:p>
+            <a:r>
+              <a:rPr lang="en-US" altLang="ko-KR" dirty="0"/>
+              <a:t>THANK YOU</a:t>
+            </a:r>
+            <a:endParaRPr lang="ko-KR" altLang="en-US" dirty="0"/>
+          </a:p>
+        </p:txBody>
+      </p:sp>
+      <p:sp>
+        <p:nvSpPr>
+          <p:cNvPr id="3" name="부제목 2">
+            <a:extLst>
+              <a:ext uri="{FF2B5EF4-FFF2-40B4-BE49-F238E27FC236}">
+                <a16:creationId xmlns:a16="http://schemas.microsoft.com/office/drawing/2014/main" id="{6D5A4003-E32D-3915-70A4-7FBA9BD121D0}"/>
+              </a:ext>
+            </a:extLst>
+          </p:cNvPr>
+          <p:cNvSpPr>
+            <a:spLocks noGrp="1"/>
+          </p:cNvSpPr>
+          <p:nvPr>
+            <p:ph type="subTitle" idx="1"/>
+          </p:nvPr>
+        </p:nvSpPr>
+        <p:spPr/>
+        <p:txBody>
+          <a:bodyPr/>
+          <a:lstStyle/>
+          <a:p>
+            <a:endParaRPr lang="ko-KR" altLang="en-US"/>
+          </a:p>
+        </p:txBody>
+      </p:sp>
+    </p:spTree>
+    <p:extLst>
+      <p:ext uri="{BB962C8B-B14F-4D97-AF65-F5344CB8AC3E}">
+        <p14:creationId xmlns:p14="http://schemas.microsoft.com/office/powerpoint/2010/main" val="3078056167"/>
       </p:ext>
     </p:extLst>
   </p:cSld>
